--- a/website/Tutorial_Presentation/First_Tutorial_3PC3.pptx
+++ b/website/Tutorial_Presentation/First_Tutorial_3PC3.pptx
@@ -6,13 +6,14 @@
   </p:sldMasterIdLst>
   <p:sldIdLst>
     <p:sldId id="263" r:id="rId2"/>
-    <p:sldId id="256" r:id="rId3"/>
-    <p:sldId id="257" r:id="rId4"/>
-    <p:sldId id="258" r:id="rId5"/>
-    <p:sldId id="259" r:id="rId6"/>
-    <p:sldId id="260" r:id="rId7"/>
-    <p:sldId id="261" r:id="rId8"/>
-    <p:sldId id="262" r:id="rId9"/>
+    <p:sldId id="264" r:id="rId3"/>
+    <p:sldId id="256" r:id="rId4"/>
+    <p:sldId id="257" r:id="rId5"/>
+    <p:sldId id="258" r:id="rId6"/>
+    <p:sldId id="259" r:id="rId7"/>
+    <p:sldId id="260" r:id="rId8"/>
+    <p:sldId id="261" r:id="rId9"/>
+    <p:sldId id="262" r:id="rId10"/>
   </p:sldIdLst>
   <p:sldSz cx="12192000" cy="6858000"/>
   <p:notesSz cx="6858000" cy="9144000"/>
@@ -111,6 +112,11 @@
       </a:defRPr>
     </a:lvl9pPr>
   </p:defaultTextStyle>
+  <p:extLst>
+    <p:ext uri="{EFAFB233-063F-42B5-8137-9DF3F51BA10A}">
+      <p15:sldGuideLst xmlns:p15="http://schemas.microsoft.com/office/powerpoint/2012/main"/>
+    </p:ext>
+  </p:extLst>
 </p:presentation>
 </file>
 
@@ -261,7 +267,7 @@
           <a:p>
             <a:fld id="{A2A51933-2356-D546-AE2F-A37653A164A2}" type="datetimeFigureOut">
               <a:rPr lang="en-US" smtClean="0"/>
-              <a:t>8/28/24</a:t>
+              <a:t>9/9/25</a:t>
             </a:fld>
             <a:endParaRPr lang="en-US"/>
           </a:p>
@@ -459,7 +465,7 @@
           <a:p>
             <a:fld id="{A2A51933-2356-D546-AE2F-A37653A164A2}" type="datetimeFigureOut">
               <a:rPr lang="en-US" smtClean="0"/>
-              <a:t>8/28/24</a:t>
+              <a:t>9/9/25</a:t>
             </a:fld>
             <a:endParaRPr lang="en-US"/>
           </a:p>
@@ -667,7 +673,7 @@
           <a:p>
             <a:fld id="{A2A51933-2356-D546-AE2F-A37653A164A2}" type="datetimeFigureOut">
               <a:rPr lang="en-US" smtClean="0"/>
-              <a:t>8/28/24</a:t>
+              <a:t>9/9/25</a:t>
             </a:fld>
             <a:endParaRPr lang="en-US"/>
           </a:p>
@@ -865,7 +871,7 @@
           <a:p>
             <a:fld id="{A2A51933-2356-D546-AE2F-A37653A164A2}" type="datetimeFigureOut">
               <a:rPr lang="en-US" smtClean="0"/>
-              <a:t>8/28/24</a:t>
+              <a:t>9/9/25</a:t>
             </a:fld>
             <a:endParaRPr lang="en-US"/>
           </a:p>
@@ -1140,7 +1146,7 @@
           <a:p>
             <a:fld id="{A2A51933-2356-D546-AE2F-A37653A164A2}" type="datetimeFigureOut">
               <a:rPr lang="en-US" smtClean="0"/>
-              <a:t>8/28/24</a:t>
+              <a:t>9/9/25</a:t>
             </a:fld>
             <a:endParaRPr lang="en-US"/>
           </a:p>
@@ -1405,7 +1411,7 @@
           <a:p>
             <a:fld id="{A2A51933-2356-D546-AE2F-A37653A164A2}" type="datetimeFigureOut">
               <a:rPr lang="en-US" smtClean="0"/>
-              <a:t>8/28/24</a:t>
+              <a:t>9/9/25</a:t>
             </a:fld>
             <a:endParaRPr lang="en-US"/>
           </a:p>
@@ -1817,7 +1823,7 @@
           <a:p>
             <a:fld id="{A2A51933-2356-D546-AE2F-A37653A164A2}" type="datetimeFigureOut">
               <a:rPr lang="en-US" smtClean="0"/>
-              <a:t>8/28/24</a:t>
+              <a:t>9/9/25</a:t>
             </a:fld>
             <a:endParaRPr lang="en-US"/>
           </a:p>
@@ -1958,7 +1964,7 @@
           <a:p>
             <a:fld id="{A2A51933-2356-D546-AE2F-A37653A164A2}" type="datetimeFigureOut">
               <a:rPr lang="en-US" smtClean="0"/>
-              <a:t>8/28/24</a:t>
+              <a:t>9/9/25</a:t>
             </a:fld>
             <a:endParaRPr lang="en-US"/>
           </a:p>
@@ -2071,7 +2077,7 @@
           <a:p>
             <a:fld id="{A2A51933-2356-D546-AE2F-A37653A164A2}" type="datetimeFigureOut">
               <a:rPr lang="en-US" smtClean="0"/>
-              <a:t>8/28/24</a:t>
+              <a:t>9/9/25</a:t>
             </a:fld>
             <a:endParaRPr lang="en-US"/>
           </a:p>
@@ -2382,7 +2388,7 @@
           <a:p>
             <a:fld id="{A2A51933-2356-D546-AE2F-A37653A164A2}" type="datetimeFigureOut">
               <a:rPr lang="en-US" smtClean="0"/>
-              <a:t>8/28/24</a:t>
+              <a:t>9/9/25</a:t>
             </a:fld>
             <a:endParaRPr lang="en-US"/>
           </a:p>
@@ -2670,7 +2676,7 @@
           <a:p>
             <a:fld id="{A2A51933-2356-D546-AE2F-A37653A164A2}" type="datetimeFigureOut">
               <a:rPr lang="en-US" smtClean="0"/>
-              <a:t>8/28/24</a:t>
+              <a:t>9/9/25</a:t>
             </a:fld>
             <a:endParaRPr lang="en-US"/>
           </a:p>
@@ -2911,7 +2917,7 @@
           <a:p>
             <a:fld id="{A2A51933-2356-D546-AE2F-A37653A164A2}" type="datetimeFigureOut">
               <a:rPr lang="en-US" smtClean="0"/>
-              <a:t>8/28/24</a:t>
+              <a:t>9/9/25</a:t>
             </a:fld>
             <a:endParaRPr lang="en-US"/>
           </a:p>
@@ -3498,12 +3504,116 @@
           <a:chExt cx="0" cy="0"/>
         </a:xfrm>
       </p:grpSpPr>
+      <p:sp>
+        <p:nvSpPr>
+          <p:cNvPr id="2" name="Title 1">
+            <a:extLst>
+              <a:ext uri="{FF2B5EF4-FFF2-40B4-BE49-F238E27FC236}">
+                <a16:creationId xmlns:a16="http://schemas.microsoft.com/office/drawing/2014/main" id="{FBBEAC13-92F9-CCAC-22A6-D3327042B4BE}"/>
+              </a:ext>
+            </a:extLst>
+          </p:cNvPr>
+          <p:cNvSpPr>
+            <a:spLocks noGrp="1"/>
+          </p:cNvSpPr>
+          <p:nvPr>
+            <p:ph type="title"/>
+          </p:nvPr>
+        </p:nvSpPr>
+        <p:spPr/>
+        <p:txBody>
+          <a:bodyPr/>
+          <a:lstStyle/>
+          <a:p>
+            <a:r>
+              <a:rPr lang="en-CA" dirty="0"/>
+              <a:t>Tutorials will be held every Tuesday </a:t>
+            </a:r>
+          </a:p>
+        </p:txBody>
+      </p:sp>
+      <p:sp>
+        <p:nvSpPr>
+          <p:cNvPr id="3" name="Content Placeholder 2">
+            <a:extLst>
+              <a:ext uri="{FF2B5EF4-FFF2-40B4-BE49-F238E27FC236}">
+                <a16:creationId xmlns:a16="http://schemas.microsoft.com/office/drawing/2014/main" id="{019888A1-CCD9-063A-3500-71B4BB4C9A2C}"/>
+              </a:ext>
+            </a:extLst>
+          </p:cNvPr>
+          <p:cNvSpPr>
+            <a:spLocks noGrp="1"/>
+          </p:cNvSpPr>
+          <p:nvPr>
+            <p:ph idx="1"/>
+          </p:nvPr>
+        </p:nvSpPr>
+        <p:spPr/>
+        <p:txBody>
+          <a:bodyPr/>
+          <a:lstStyle/>
+          <a:p>
+            <a:r>
+              <a:rPr lang="en-CA" dirty="0"/>
+              <a:t>I strongly suggest that you show up to the tutorials if you have </a:t>
+            </a:r>
+            <a:r>
+              <a:rPr lang="en-CA" u="sng" dirty="0"/>
+              <a:t>ANY </a:t>
+            </a:r>
+            <a:r>
+              <a:rPr lang="en-CA" dirty="0"/>
+              <a:t>questions. </a:t>
+            </a:r>
+          </a:p>
+          <a:p>
+            <a:r>
+              <a:rPr lang="en-CA" dirty="0"/>
+              <a:t>I can’t read minds ... YET </a:t>
+            </a:r>
+          </a:p>
+          <a:p>
+            <a:r>
+              <a:rPr lang="en-CA" dirty="0"/>
+              <a:t>Suggestions on what topics to present are always welcome </a:t>
+            </a:r>
+          </a:p>
+          <a:p>
+            <a:r>
+              <a:rPr lang="en-CA" dirty="0"/>
+              <a:t>REMEMBER: Tutorials are made for YOU !!! </a:t>
+            </a:r>
+          </a:p>
+          <a:p>
+            <a:r>
+              <a:rPr lang="en-CA" dirty="0"/>
+              <a:t>You can also email me at </a:t>
+            </a:r>
+            <a:r>
+              <a:rPr lang="en-CA" dirty="0">
+                <a:hlinkClick r:id="rId2"/>
+              </a:rPr>
+              <a:t>decamara@mcmaster.ca</a:t>
+            </a:r>
+            <a:r>
+              <a:rPr lang="en-CA" dirty="0"/>
+              <a:t> </a:t>
+            </a:r>
+          </a:p>
+          <a:p>
+            <a:r>
+              <a:rPr lang="en-CA" dirty="0"/>
+              <a:t>Questions ? </a:t>
+            </a:r>
+          </a:p>
+        </p:txBody>
+      </p:sp>
       <p:pic>
         <p:nvPicPr>
-          <p:cNvPr id="24" name="Picture 23">
-            <a:extLst>
-              <a:ext uri="{FF2B5EF4-FFF2-40B4-BE49-F238E27FC236}">
-                <a16:creationId xmlns:a16="http://schemas.microsoft.com/office/drawing/2014/main" id="{87A39AE4-D819-7866-CA02-09EAFD96E3ED}"/>
+          <p:cNvPr id="7" name="Picture 6" descr="A cartoon of a person in a suit&#10;&#10;Description automatically generated">
+            <a:extLst>
+              <a:ext uri="{FF2B5EF4-FFF2-40B4-BE49-F238E27FC236}">
+                <a16:creationId xmlns:a16="http://schemas.microsoft.com/office/drawing/2014/main" id="{57905B20-4B5D-E7DB-8416-A47A47913CB0}"/>
               </a:ext>
             </a:extLst>
           </p:cNvPr>
@@ -3513,336 +3623,445 @@
           <p:nvPr/>
         </p:nvPicPr>
         <p:blipFill>
-          <a:blip r:embed="rId2"/>
+          <a:blip r:embed="rId3"/>
           <a:stretch>
             <a:fillRect/>
           </a:stretch>
         </p:blipFill>
         <p:spPr>
           <a:xfrm>
-            <a:off x="3597927" y="1737988"/>
-            <a:ext cx="7553549" cy="2508507"/>
+            <a:off x="3047443" y="3215138"/>
+            <a:ext cx="5512226" cy="3642862"/>
           </a:xfrm>
           <a:prstGeom prst="rect">
             <a:avLst/>
           </a:prstGeom>
         </p:spPr>
       </p:pic>
-      <p:sp>
-        <p:nvSpPr>
-          <p:cNvPr id="2" name="Title 1">
-            <a:extLst>
-              <a:ext uri="{FF2B5EF4-FFF2-40B4-BE49-F238E27FC236}">
-                <a16:creationId xmlns:a16="http://schemas.microsoft.com/office/drawing/2014/main" id="{846E6B76-BEAE-67C3-442B-3C3772C9F1A5}"/>
-              </a:ext>
-            </a:extLst>
-          </p:cNvPr>
-          <p:cNvSpPr>
-            <a:spLocks noGrp="1"/>
-          </p:cNvSpPr>
-          <p:nvPr>
-            <p:ph type="ctrTitle"/>
-          </p:nvPr>
-        </p:nvSpPr>
-        <p:spPr>
-          <a:xfrm>
-            <a:off x="0" y="323575"/>
-            <a:ext cx="7010400" cy="622354"/>
-          </a:xfrm>
-        </p:spPr>
-        <p:txBody>
-          <a:bodyPr>
-            <a:normAutofit/>
-          </a:bodyPr>
-          <a:lstStyle/>
-          <a:p>
-            <a:r>
-              <a:rPr lang="en-US" sz="3200" dirty="0"/>
-              <a:t>Python Indentation and basic syntax</a:t>
-            </a:r>
-          </a:p>
-        </p:txBody>
-      </p:sp>
-      <p:sp>
-        <p:nvSpPr>
-          <p:cNvPr id="6" name="TextBox 5">
-            <a:extLst>
-              <a:ext uri="{FF2B5EF4-FFF2-40B4-BE49-F238E27FC236}">
-                <a16:creationId xmlns:a16="http://schemas.microsoft.com/office/drawing/2014/main" id="{72B58AFB-B2FF-B663-FA5C-DE817D215847}"/>
-              </a:ext>
-            </a:extLst>
-          </p:cNvPr>
-          <p:cNvSpPr txBox="1"/>
-          <p:nvPr/>
-        </p:nvSpPr>
-        <p:spPr>
-          <a:xfrm>
-            <a:off x="714703" y="1166648"/>
-            <a:ext cx="10436773" cy="369332"/>
-          </a:xfrm>
-          <a:prstGeom prst="rect">
-            <a:avLst/>
-          </a:prstGeom>
-          <a:noFill/>
-        </p:spPr>
-        <p:txBody>
-          <a:bodyPr wrap="square" rtlCol="0">
-            <a:spAutoFit/>
-          </a:bodyPr>
-          <a:lstStyle/>
-          <a:p>
-            <a:pPr marL="285750" indent="-285750">
-              <a:buFont typeface="Arial" panose="020B0604020202020204" pitchFamily="34" charset="0"/>
-              <a:buChar char="•"/>
-            </a:pPr>
-            <a:r>
-              <a:rPr lang="en-US" dirty="0"/>
-              <a:t>Python uses whitespace and indentation to construct the code structure</a:t>
-            </a:r>
-          </a:p>
-        </p:txBody>
-      </p:sp>
-      <p:sp>
-        <p:nvSpPr>
-          <p:cNvPr id="19" name="Left Brace 18">
-            <a:extLst>
-              <a:ext uri="{FF2B5EF4-FFF2-40B4-BE49-F238E27FC236}">
-                <a16:creationId xmlns:a16="http://schemas.microsoft.com/office/drawing/2014/main" id="{3B20C34E-E782-6278-2853-D48AE3400B4F}"/>
-              </a:ext>
-            </a:extLst>
-          </p:cNvPr>
-          <p:cNvSpPr/>
-          <p:nvPr/>
-        </p:nvSpPr>
-        <p:spPr>
-          <a:xfrm>
-            <a:off x="3221420" y="2586124"/>
-            <a:ext cx="268014" cy="1044722"/>
-          </a:xfrm>
-          <a:prstGeom prst="leftBrace">
-            <a:avLst/>
-          </a:prstGeom>
-        </p:spPr>
-        <p:style>
-          <a:lnRef idx="2">
-            <a:schemeClr val="accent1"/>
-          </a:lnRef>
-          <a:fillRef idx="0">
-            <a:schemeClr val="accent1"/>
-          </a:fillRef>
-          <a:effectRef idx="1">
-            <a:schemeClr val="accent1"/>
-          </a:effectRef>
-          <a:fontRef idx="minor">
-            <a:schemeClr val="tx1"/>
-          </a:fontRef>
-        </p:style>
-        <p:txBody>
-          <a:bodyPr rtlCol="0" anchor="ctr"/>
-          <a:lstStyle/>
-          <a:p>
-            <a:pPr algn="ctr"/>
-            <a:endParaRPr lang="en-US"/>
-          </a:p>
-        </p:txBody>
-      </p:sp>
-      <p:sp>
-        <p:nvSpPr>
-          <p:cNvPr id="21" name="TextBox 20">
-            <a:extLst>
-              <a:ext uri="{FF2B5EF4-FFF2-40B4-BE49-F238E27FC236}">
-                <a16:creationId xmlns:a16="http://schemas.microsoft.com/office/drawing/2014/main" id="{C9FBC58E-93E2-5E9B-5B1D-8FDC3015CFEC}"/>
-              </a:ext>
-            </a:extLst>
-          </p:cNvPr>
-          <p:cNvSpPr txBox="1"/>
-          <p:nvPr/>
-        </p:nvSpPr>
-        <p:spPr>
-          <a:xfrm>
-            <a:off x="1024759" y="2826960"/>
-            <a:ext cx="2575034" cy="646331"/>
-          </a:xfrm>
-          <a:prstGeom prst="rect">
-            <a:avLst/>
-          </a:prstGeom>
-          <a:noFill/>
-        </p:spPr>
-        <p:txBody>
-          <a:bodyPr wrap="square" rtlCol="0">
-            <a:spAutoFit/>
-          </a:bodyPr>
-          <a:lstStyle/>
-          <a:p>
-            <a:r>
-              <a:rPr lang="en-US" dirty="0"/>
-              <a:t>Whitespace to define the block of coding</a:t>
-            </a:r>
-          </a:p>
-        </p:txBody>
-      </p:sp>
-      <p:sp>
-        <p:nvSpPr>
-          <p:cNvPr id="22" name="TextBox 21">
-            <a:extLst>
-              <a:ext uri="{FF2B5EF4-FFF2-40B4-BE49-F238E27FC236}">
-                <a16:creationId xmlns:a16="http://schemas.microsoft.com/office/drawing/2014/main" id="{313BB25C-EADF-58FC-E120-D968A804892A}"/>
-              </a:ext>
-            </a:extLst>
-          </p:cNvPr>
-          <p:cNvSpPr txBox="1"/>
-          <p:nvPr/>
-        </p:nvSpPr>
-        <p:spPr>
-          <a:xfrm>
-            <a:off x="714703" y="4394939"/>
-            <a:ext cx="3137339" cy="369332"/>
-          </a:xfrm>
-          <a:prstGeom prst="rect">
-            <a:avLst/>
-          </a:prstGeom>
-          <a:noFill/>
-        </p:spPr>
-        <p:txBody>
-          <a:bodyPr wrap="square" rtlCol="0">
-            <a:spAutoFit/>
-          </a:bodyPr>
-          <a:lstStyle/>
-          <a:p>
-            <a:pPr marL="285750" indent="-285750">
-              <a:buFont typeface="Arial" panose="020B0604020202020204" pitchFamily="34" charset="0"/>
-              <a:buChar char="•"/>
-            </a:pPr>
-            <a:r>
-              <a:rPr lang="en-US" dirty="0"/>
-              <a:t>More readable and uniform </a:t>
-            </a:r>
-          </a:p>
-        </p:txBody>
-      </p:sp>
-      <p:sp>
-        <p:nvSpPr>
-          <p:cNvPr id="23" name="TextBox 22">
-            <a:extLst>
-              <a:ext uri="{FF2B5EF4-FFF2-40B4-BE49-F238E27FC236}">
-                <a16:creationId xmlns:a16="http://schemas.microsoft.com/office/drawing/2014/main" id="{D2BE1765-349F-EBF0-5D9A-49B065BF760D}"/>
-              </a:ext>
-            </a:extLst>
-          </p:cNvPr>
-          <p:cNvSpPr txBox="1"/>
-          <p:nvPr/>
-        </p:nvSpPr>
-        <p:spPr>
-          <a:xfrm>
-            <a:off x="714703" y="5209611"/>
-            <a:ext cx="8103476" cy="369332"/>
-          </a:xfrm>
-          <a:prstGeom prst="rect">
-            <a:avLst/>
-          </a:prstGeom>
-          <a:noFill/>
-        </p:spPr>
-        <p:txBody>
-          <a:bodyPr wrap="square" rtlCol="0">
-            <a:spAutoFit/>
-          </a:bodyPr>
-          <a:lstStyle/>
-          <a:p>
-            <a:pPr marL="285750" indent="-285750">
-              <a:buFont typeface="Arial" panose="020B0604020202020204" pitchFamily="34" charset="0"/>
-              <a:buChar char="•"/>
-            </a:pPr>
-            <a:r>
-              <a:rPr lang="en-US" dirty="0"/>
-              <a:t>Python is case sensitive, so it encourages precision and clarity while coding.</a:t>
-            </a:r>
-          </a:p>
-        </p:txBody>
-      </p:sp>
-      <p:cxnSp>
-        <p:nvCxnSpPr>
-          <p:cNvPr id="26" name="Straight Arrow Connector 25">
-            <a:extLst>
-              <a:ext uri="{FF2B5EF4-FFF2-40B4-BE49-F238E27FC236}">
-                <a16:creationId xmlns:a16="http://schemas.microsoft.com/office/drawing/2014/main" id="{4192F4BD-7BBA-CE27-FC98-CA3A02E7A948}"/>
-              </a:ext>
-            </a:extLst>
-          </p:cNvPr>
-          <p:cNvCxnSpPr/>
-          <p:nvPr/>
-        </p:nvCxnSpPr>
-        <p:spPr>
-          <a:xfrm flipH="1">
-            <a:off x="9249103" y="1166648"/>
-            <a:ext cx="504497" cy="840828"/>
-          </a:xfrm>
-          <a:prstGeom prst="straightConnector1">
-            <a:avLst/>
-          </a:prstGeom>
-          <a:ln>
-            <a:tailEnd type="triangle"/>
-          </a:ln>
-        </p:spPr>
-        <p:style>
-          <a:lnRef idx="2">
-            <a:schemeClr val="accent1"/>
-          </a:lnRef>
-          <a:fillRef idx="0">
-            <a:schemeClr val="accent1"/>
-          </a:fillRef>
-          <a:effectRef idx="1">
-            <a:schemeClr val="accent1"/>
-          </a:effectRef>
-          <a:fontRef idx="minor">
-            <a:schemeClr val="tx1"/>
-          </a:fontRef>
-        </p:style>
-      </p:cxnSp>
-      <p:sp>
-        <p:nvSpPr>
-          <p:cNvPr id="27" name="TextBox 26">
-            <a:extLst>
-              <a:ext uri="{FF2B5EF4-FFF2-40B4-BE49-F238E27FC236}">
-                <a16:creationId xmlns:a16="http://schemas.microsoft.com/office/drawing/2014/main" id="{441C9DBC-E026-6396-0A62-0241EC1564D3}"/>
-              </a:ext>
-            </a:extLst>
-          </p:cNvPr>
-          <p:cNvSpPr txBox="1"/>
-          <p:nvPr/>
-        </p:nvSpPr>
-        <p:spPr>
-          <a:xfrm>
-            <a:off x="8818179" y="546538"/>
-            <a:ext cx="2007476" cy="646331"/>
-          </a:xfrm>
-          <a:prstGeom prst="rect">
-            <a:avLst/>
-          </a:prstGeom>
-          <a:noFill/>
-        </p:spPr>
-        <p:txBody>
-          <a:bodyPr wrap="square" rtlCol="0">
-            <a:spAutoFit/>
-          </a:bodyPr>
-          <a:lstStyle/>
-          <a:p>
-            <a:r>
-              <a:rPr lang="en-US" dirty="0"/>
-              <a:t>A comment that is not executed</a:t>
-            </a:r>
-          </a:p>
-        </p:txBody>
-      </p:sp>
     </p:spTree>
     <p:extLst>
       <p:ext uri="{BB962C8B-B14F-4D97-AF65-F5344CB8AC3E}">
-        <p14:creationId xmlns:p14="http://schemas.microsoft.com/office/powerpoint/2010/main" val="2783275743"/>
+        <p14:creationId xmlns:p14="http://schemas.microsoft.com/office/powerpoint/2010/main" val="1219396542"/>
       </p:ext>
     </p:extLst>
   </p:cSld>
   <p:clrMapOvr>
     <a:masterClrMapping/>
   </p:clrMapOvr>
+  <p:timing>
+    <p:tnLst>
+      <p:par>
+        <p:cTn id="1" dur="indefinite" restart="never" nodeType="tmRoot">
+          <p:childTnLst>
+            <p:seq concurrent="1" nextAc="seek">
+              <p:cTn id="2" dur="indefinite" nodeType="mainSeq">
+                <p:childTnLst>
+                  <p:par>
+                    <p:cTn id="3" fill="hold">
+                      <p:stCondLst>
+                        <p:cond delay="indefinite"/>
+                      </p:stCondLst>
+                      <p:childTnLst>
+                        <p:par>
+                          <p:cTn id="4" fill="hold">
+                            <p:stCondLst>
+                              <p:cond delay="0"/>
+                            </p:stCondLst>
+                            <p:childTnLst>
+                              <p:par>
+                                <p:cTn id="5" presetID="1" presetClass="entr" presetSubtype="0" fill="hold" nodeType="clickEffect">
+                                  <p:stCondLst>
+                                    <p:cond delay="0"/>
+                                  </p:stCondLst>
+                                  <p:childTnLst>
+                                    <p:set>
+                                      <p:cBhvr>
+                                        <p:cTn id="6" dur="1" fill="hold">
+                                          <p:stCondLst>
+                                            <p:cond delay="0"/>
+                                          </p:stCondLst>
+                                        </p:cTn>
+                                        <p:tgtEl>
+                                          <p:spTgt spid="3">
+                                            <p:txEl>
+                                              <p:pRg st="0" end="0"/>
+                                            </p:txEl>
+                                          </p:spTgt>
+                                        </p:tgtEl>
+                                        <p:attrNameLst>
+                                          <p:attrName>style.visibility</p:attrName>
+                                        </p:attrNameLst>
+                                      </p:cBhvr>
+                                      <p:to>
+                                        <p:strVal val="visible"/>
+                                      </p:to>
+                                    </p:set>
+                                  </p:childTnLst>
+                                </p:cTn>
+                              </p:par>
+                            </p:childTnLst>
+                          </p:cTn>
+                        </p:par>
+                      </p:childTnLst>
+                    </p:cTn>
+                  </p:par>
+                  <p:par>
+                    <p:cTn id="7" fill="hold">
+                      <p:stCondLst>
+                        <p:cond delay="indefinite"/>
+                      </p:stCondLst>
+                      <p:childTnLst>
+                        <p:par>
+                          <p:cTn id="8" fill="hold">
+                            <p:stCondLst>
+                              <p:cond delay="0"/>
+                            </p:stCondLst>
+                            <p:childTnLst>
+                              <p:par>
+                                <p:cTn id="9" presetID="1" presetClass="entr" presetSubtype="0" fill="hold" nodeType="clickEffect">
+                                  <p:stCondLst>
+                                    <p:cond delay="0"/>
+                                  </p:stCondLst>
+                                  <p:childTnLst>
+                                    <p:set>
+                                      <p:cBhvr>
+                                        <p:cTn id="10" dur="1" fill="hold">
+                                          <p:stCondLst>
+                                            <p:cond delay="0"/>
+                                          </p:stCondLst>
+                                        </p:cTn>
+                                        <p:tgtEl>
+                                          <p:spTgt spid="3">
+                                            <p:txEl>
+                                              <p:pRg st="1" end="1"/>
+                                            </p:txEl>
+                                          </p:spTgt>
+                                        </p:tgtEl>
+                                        <p:attrNameLst>
+                                          <p:attrName>style.visibility</p:attrName>
+                                        </p:attrNameLst>
+                                      </p:cBhvr>
+                                      <p:to>
+                                        <p:strVal val="visible"/>
+                                      </p:to>
+                                    </p:set>
+                                  </p:childTnLst>
+                                </p:cTn>
+                              </p:par>
+                            </p:childTnLst>
+                          </p:cTn>
+                        </p:par>
+                      </p:childTnLst>
+                    </p:cTn>
+                  </p:par>
+                  <p:par>
+                    <p:cTn id="11" fill="hold">
+                      <p:stCondLst>
+                        <p:cond delay="indefinite"/>
+                      </p:stCondLst>
+                      <p:childTnLst>
+                        <p:par>
+                          <p:cTn id="12" fill="hold">
+                            <p:stCondLst>
+                              <p:cond delay="0"/>
+                            </p:stCondLst>
+                            <p:childTnLst>
+                              <p:par>
+                                <p:cTn id="13" presetID="1" presetClass="entr" presetSubtype="0" fill="hold" nodeType="clickEffect">
+                                  <p:stCondLst>
+                                    <p:cond delay="0"/>
+                                  </p:stCondLst>
+                                  <p:childTnLst>
+                                    <p:set>
+                                      <p:cBhvr>
+                                        <p:cTn id="14" dur="1" fill="hold">
+                                          <p:stCondLst>
+                                            <p:cond delay="0"/>
+                                          </p:stCondLst>
+                                        </p:cTn>
+                                        <p:tgtEl>
+                                          <p:spTgt spid="7"/>
+                                        </p:tgtEl>
+                                        <p:attrNameLst>
+                                          <p:attrName>style.visibility</p:attrName>
+                                        </p:attrNameLst>
+                                      </p:cBhvr>
+                                      <p:to>
+                                        <p:strVal val="visible"/>
+                                      </p:to>
+                                    </p:set>
+                                  </p:childTnLst>
+                                </p:cTn>
+                              </p:par>
+                            </p:childTnLst>
+                          </p:cTn>
+                        </p:par>
+                      </p:childTnLst>
+                    </p:cTn>
+                  </p:par>
+                  <p:par>
+                    <p:cTn id="15" fill="hold">
+                      <p:stCondLst>
+                        <p:cond delay="indefinite"/>
+                      </p:stCondLst>
+                      <p:childTnLst>
+                        <p:par>
+                          <p:cTn id="16" fill="hold">
+                            <p:stCondLst>
+                              <p:cond delay="0"/>
+                            </p:stCondLst>
+                            <p:childTnLst>
+                              <p:par>
+                                <p:cTn id="17" presetID="1" presetClass="exit" presetSubtype="0" fill="hold" nodeType="clickEffect">
+                                  <p:stCondLst>
+                                    <p:cond delay="0"/>
+                                  </p:stCondLst>
+                                  <p:childTnLst>
+                                    <p:set>
+                                      <p:cBhvr>
+                                        <p:cTn id="18" dur="1" fill="hold">
+                                          <p:stCondLst>
+                                            <p:cond delay="0"/>
+                                          </p:stCondLst>
+                                        </p:cTn>
+                                        <p:tgtEl>
+                                          <p:spTgt spid="7"/>
+                                        </p:tgtEl>
+                                        <p:attrNameLst>
+                                          <p:attrName>style.visibility</p:attrName>
+                                        </p:attrNameLst>
+                                      </p:cBhvr>
+                                      <p:to>
+                                        <p:strVal val="hidden"/>
+                                      </p:to>
+                                    </p:set>
+                                  </p:childTnLst>
+                                </p:cTn>
+                              </p:par>
+                            </p:childTnLst>
+                          </p:cTn>
+                        </p:par>
+                      </p:childTnLst>
+                    </p:cTn>
+                  </p:par>
+                  <p:par>
+                    <p:cTn id="19" fill="hold">
+                      <p:stCondLst>
+                        <p:cond delay="indefinite"/>
+                      </p:stCondLst>
+                      <p:childTnLst>
+                        <p:par>
+                          <p:cTn id="20" fill="hold">
+                            <p:stCondLst>
+                              <p:cond delay="0"/>
+                            </p:stCondLst>
+                            <p:childTnLst>
+                              <p:par>
+                                <p:cTn id="21" presetID="1" presetClass="entr" presetSubtype="0" fill="hold" nodeType="clickEffect">
+                                  <p:stCondLst>
+                                    <p:cond delay="0"/>
+                                  </p:stCondLst>
+                                  <p:childTnLst>
+                                    <p:set>
+                                      <p:cBhvr>
+                                        <p:cTn id="22" dur="1" fill="hold">
+                                          <p:stCondLst>
+                                            <p:cond delay="0"/>
+                                          </p:stCondLst>
+                                        </p:cTn>
+                                        <p:tgtEl>
+                                          <p:spTgt spid="3">
+                                            <p:txEl>
+                                              <p:pRg st="2" end="2"/>
+                                            </p:txEl>
+                                          </p:spTgt>
+                                        </p:tgtEl>
+                                        <p:attrNameLst>
+                                          <p:attrName>style.visibility</p:attrName>
+                                        </p:attrNameLst>
+                                      </p:cBhvr>
+                                      <p:to>
+                                        <p:strVal val="visible"/>
+                                      </p:to>
+                                    </p:set>
+                                  </p:childTnLst>
+                                </p:cTn>
+                              </p:par>
+                            </p:childTnLst>
+                          </p:cTn>
+                        </p:par>
+                      </p:childTnLst>
+                    </p:cTn>
+                  </p:par>
+                  <p:par>
+                    <p:cTn id="23" fill="hold">
+                      <p:stCondLst>
+                        <p:cond delay="indefinite"/>
+                      </p:stCondLst>
+                      <p:childTnLst>
+                        <p:par>
+                          <p:cTn id="24" fill="hold">
+                            <p:stCondLst>
+                              <p:cond delay="0"/>
+                            </p:stCondLst>
+                            <p:childTnLst>
+                              <p:par>
+                                <p:cTn id="25" presetID="1" presetClass="entr" presetSubtype="0" fill="hold" nodeType="clickEffect">
+                                  <p:stCondLst>
+                                    <p:cond delay="0"/>
+                                  </p:stCondLst>
+                                  <p:childTnLst>
+                                    <p:set>
+                                      <p:cBhvr>
+                                        <p:cTn id="26" dur="1" fill="hold">
+                                          <p:stCondLst>
+                                            <p:cond delay="0"/>
+                                          </p:stCondLst>
+                                        </p:cTn>
+                                        <p:tgtEl>
+                                          <p:spTgt spid="3">
+                                            <p:txEl>
+                                              <p:pRg st="3" end="3"/>
+                                            </p:txEl>
+                                          </p:spTgt>
+                                        </p:tgtEl>
+                                        <p:attrNameLst>
+                                          <p:attrName>style.visibility</p:attrName>
+                                        </p:attrNameLst>
+                                      </p:cBhvr>
+                                      <p:to>
+                                        <p:strVal val="visible"/>
+                                      </p:to>
+                                    </p:set>
+                                  </p:childTnLst>
+                                </p:cTn>
+                              </p:par>
+                            </p:childTnLst>
+                          </p:cTn>
+                        </p:par>
+                      </p:childTnLst>
+                    </p:cTn>
+                  </p:par>
+                  <p:par>
+                    <p:cTn id="27" fill="hold">
+                      <p:stCondLst>
+                        <p:cond delay="indefinite"/>
+                      </p:stCondLst>
+                      <p:childTnLst>
+                        <p:par>
+                          <p:cTn id="28" fill="hold">
+                            <p:stCondLst>
+                              <p:cond delay="0"/>
+                            </p:stCondLst>
+                            <p:childTnLst>
+                              <p:par>
+                                <p:cTn id="29" presetID="1" presetClass="entr" presetSubtype="0" fill="hold" nodeType="clickEffect">
+                                  <p:stCondLst>
+                                    <p:cond delay="0"/>
+                                  </p:stCondLst>
+                                  <p:childTnLst>
+                                    <p:set>
+                                      <p:cBhvr>
+                                        <p:cTn id="30" dur="1" fill="hold">
+                                          <p:stCondLst>
+                                            <p:cond delay="0"/>
+                                          </p:stCondLst>
+                                        </p:cTn>
+                                        <p:tgtEl>
+                                          <p:spTgt spid="3">
+                                            <p:txEl>
+                                              <p:pRg st="4" end="4"/>
+                                            </p:txEl>
+                                          </p:spTgt>
+                                        </p:tgtEl>
+                                        <p:attrNameLst>
+                                          <p:attrName>style.visibility</p:attrName>
+                                        </p:attrNameLst>
+                                      </p:cBhvr>
+                                      <p:to>
+                                        <p:strVal val="visible"/>
+                                      </p:to>
+                                    </p:set>
+                                  </p:childTnLst>
+                                </p:cTn>
+                              </p:par>
+                            </p:childTnLst>
+                          </p:cTn>
+                        </p:par>
+                      </p:childTnLst>
+                    </p:cTn>
+                  </p:par>
+                  <p:par>
+                    <p:cTn id="31" fill="hold">
+                      <p:stCondLst>
+                        <p:cond delay="indefinite"/>
+                      </p:stCondLst>
+                      <p:childTnLst>
+                        <p:par>
+                          <p:cTn id="32" fill="hold">
+                            <p:stCondLst>
+                              <p:cond delay="0"/>
+                            </p:stCondLst>
+                            <p:childTnLst>
+                              <p:par>
+                                <p:cTn id="33" presetID="1" presetClass="entr" presetSubtype="0" fill="hold" nodeType="clickEffect">
+                                  <p:stCondLst>
+                                    <p:cond delay="0"/>
+                                  </p:stCondLst>
+                                  <p:childTnLst>
+                                    <p:set>
+                                      <p:cBhvr>
+                                        <p:cTn id="34" dur="1" fill="hold">
+                                          <p:stCondLst>
+                                            <p:cond delay="0"/>
+                                          </p:stCondLst>
+                                        </p:cTn>
+                                        <p:tgtEl>
+                                          <p:spTgt spid="3">
+                                            <p:txEl>
+                                              <p:pRg st="5" end="5"/>
+                                            </p:txEl>
+                                          </p:spTgt>
+                                        </p:tgtEl>
+                                        <p:attrNameLst>
+                                          <p:attrName>style.visibility</p:attrName>
+                                        </p:attrNameLst>
+                                      </p:cBhvr>
+                                      <p:to>
+                                        <p:strVal val="visible"/>
+                                      </p:to>
+                                    </p:set>
+                                  </p:childTnLst>
+                                </p:cTn>
+                              </p:par>
+                            </p:childTnLst>
+                          </p:cTn>
+                        </p:par>
+                      </p:childTnLst>
+                    </p:cTn>
+                  </p:par>
+                </p:childTnLst>
+              </p:cTn>
+              <p:prevCondLst>
+                <p:cond evt="onPrev" delay="0">
+                  <p:tgtEl>
+                    <p:sldTgt/>
+                  </p:tgtEl>
+                </p:cond>
+              </p:prevCondLst>
+              <p:nextCondLst>
+                <p:cond evt="onNext" delay="0">
+                  <p:tgtEl>
+                    <p:sldTgt/>
+                  </p:tgtEl>
+                </p:cond>
+              </p:nextCondLst>
+            </p:seq>
+          </p:childTnLst>
+        </p:cTn>
+      </p:par>
+    </p:tnLst>
+  </p:timing>
 </p:sld>
 </file>
 
@@ -3863,105 +4082,12 @@
           <a:chExt cx="0" cy="0"/>
         </a:xfrm>
       </p:grpSpPr>
-      <p:sp>
-        <p:nvSpPr>
-          <p:cNvPr id="6" name="Title 1">
-            <a:extLst>
-              <a:ext uri="{FF2B5EF4-FFF2-40B4-BE49-F238E27FC236}">
-                <a16:creationId xmlns:a16="http://schemas.microsoft.com/office/drawing/2014/main" id="{E5A2A7AC-13DC-1BD0-1B41-1D1FDA143B8F}"/>
-              </a:ext>
-            </a:extLst>
-          </p:cNvPr>
-          <p:cNvSpPr txBox="1">
-            <a:spLocks/>
-          </p:cNvSpPr>
-          <p:nvPr/>
-        </p:nvSpPr>
-        <p:spPr>
-          <a:xfrm>
-            <a:off x="231227" y="239492"/>
-            <a:ext cx="7010400" cy="622354"/>
-          </a:xfrm>
-          <a:prstGeom prst="rect">
-            <a:avLst/>
-          </a:prstGeom>
-        </p:spPr>
-        <p:txBody>
-          <a:bodyPr vert="horz" lIns="91440" tIns="45720" rIns="91440" bIns="45720" rtlCol="0" anchor="ctr">
-            <a:normAutofit/>
-          </a:bodyPr>
-          <a:lstStyle>
-            <a:lvl1pPr algn="l" defTabSz="914400" rtl="0" eaLnBrk="1" latinLnBrk="0" hangingPunct="1">
-              <a:lnSpc>
-                <a:spcPct val="90000"/>
-              </a:lnSpc>
-              <a:spcBef>
-                <a:spcPct val="0"/>
-              </a:spcBef>
-              <a:buNone/>
-              <a:defRPr sz="4400" kern="1200">
-                <a:solidFill>
-                  <a:schemeClr val="tx1"/>
-                </a:solidFill>
-                <a:latin typeface="+mj-lt"/>
-                <a:ea typeface="+mj-ea"/>
-                <a:cs typeface="+mj-cs"/>
-              </a:defRPr>
-            </a:lvl1pPr>
-          </a:lstStyle>
-          <a:p>
-            <a:r>
-              <a:rPr lang="en-US" sz="3200" dirty="0"/>
-              <a:t>Basic operations</a:t>
-            </a:r>
-          </a:p>
-        </p:txBody>
-      </p:sp>
-      <p:sp>
-        <p:nvSpPr>
-          <p:cNvPr id="8" name="TextBox 7">
-            <a:extLst>
-              <a:ext uri="{FF2B5EF4-FFF2-40B4-BE49-F238E27FC236}">
-                <a16:creationId xmlns:a16="http://schemas.microsoft.com/office/drawing/2014/main" id="{7AA6D9BB-F051-9263-CC84-A0F7BC1EA638}"/>
-              </a:ext>
-            </a:extLst>
-          </p:cNvPr>
-          <p:cNvSpPr txBox="1"/>
-          <p:nvPr/>
-        </p:nvSpPr>
-        <p:spPr>
-          <a:xfrm>
-            <a:off x="714703" y="1166648"/>
-            <a:ext cx="10436773" cy="369332"/>
-          </a:xfrm>
-          <a:prstGeom prst="rect">
-            <a:avLst/>
-          </a:prstGeom>
-          <a:noFill/>
-        </p:spPr>
-        <p:txBody>
-          <a:bodyPr wrap="square" rtlCol="0">
-            <a:spAutoFit/>
-          </a:bodyPr>
-          <a:lstStyle/>
-          <a:p>
-            <a:pPr marL="285750" indent="-285750">
-              <a:buFont typeface="Arial" panose="020B0604020202020204" pitchFamily="34" charset="0"/>
-              <a:buChar char="•"/>
-            </a:pPr>
-            <a:r>
-              <a:rPr lang="en-CA" dirty="0"/>
-              <a:t>You can compute basic operations directly. </a:t>
-            </a:r>
-          </a:p>
-        </p:txBody>
-      </p:sp>
       <p:pic>
         <p:nvPicPr>
-          <p:cNvPr id="9" name="Picture 8">
-            <a:extLst>
-              <a:ext uri="{FF2B5EF4-FFF2-40B4-BE49-F238E27FC236}">
-                <a16:creationId xmlns:a16="http://schemas.microsoft.com/office/drawing/2014/main" id="{2DD342B4-6D23-CE01-8EEA-6F2267CFEBED}"/>
+          <p:cNvPr id="24" name="Picture 23">
+            <a:extLst>
+              <a:ext uri="{FF2B5EF4-FFF2-40B4-BE49-F238E27FC236}">
+                <a16:creationId xmlns:a16="http://schemas.microsoft.com/office/drawing/2014/main" id="{87A39AE4-D819-7866-CA02-09EAFD96E3ED}"/>
               </a:ext>
             </a:extLst>
           </p:cNvPr>
@@ -3978,20 +4104,251 @@
         </p:blipFill>
         <p:spPr>
           <a:xfrm>
-            <a:off x="4465145" y="1535980"/>
-            <a:ext cx="1241972" cy="945592"/>
+            <a:off x="3597927" y="1737988"/>
+            <a:ext cx="7553549" cy="2508507"/>
           </a:xfrm>
           <a:prstGeom prst="rect">
             <a:avLst/>
           </a:prstGeom>
         </p:spPr>
       </p:pic>
+      <p:sp>
+        <p:nvSpPr>
+          <p:cNvPr id="2" name="Title 1">
+            <a:extLst>
+              <a:ext uri="{FF2B5EF4-FFF2-40B4-BE49-F238E27FC236}">
+                <a16:creationId xmlns:a16="http://schemas.microsoft.com/office/drawing/2014/main" id="{846E6B76-BEAE-67C3-442B-3C3772C9F1A5}"/>
+              </a:ext>
+            </a:extLst>
+          </p:cNvPr>
+          <p:cNvSpPr>
+            <a:spLocks noGrp="1"/>
+          </p:cNvSpPr>
+          <p:nvPr>
+            <p:ph type="ctrTitle"/>
+          </p:nvPr>
+        </p:nvSpPr>
+        <p:spPr>
+          <a:xfrm>
+            <a:off x="0" y="323575"/>
+            <a:ext cx="7010400" cy="622354"/>
+          </a:xfrm>
+        </p:spPr>
+        <p:txBody>
+          <a:bodyPr>
+            <a:normAutofit/>
+          </a:bodyPr>
+          <a:lstStyle/>
+          <a:p>
+            <a:r>
+              <a:rPr lang="en-US" sz="3200" dirty="0"/>
+              <a:t>Python Indentation and basic syntax</a:t>
+            </a:r>
+          </a:p>
+        </p:txBody>
+      </p:sp>
+      <p:sp>
+        <p:nvSpPr>
+          <p:cNvPr id="6" name="TextBox 5">
+            <a:extLst>
+              <a:ext uri="{FF2B5EF4-FFF2-40B4-BE49-F238E27FC236}">
+                <a16:creationId xmlns:a16="http://schemas.microsoft.com/office/drawing/2014/main" id="{72B58AFB-B2FF-B663-FA5C-DE817D215847}"/>
+              </a:ext>
+            </a:extLst>
+          </p:cNvPr>
+          <p:cNvSpPr txBox="1"/>
+          <p:nvPr/>
+        </p:nvSpPr>
+        <p:spPr>
+          <a:xfrm>
+            <a:off x="714703" y="1166648"/>
+            <a:ext cx="10436773" cy="369332"/>
+          </a:xfrm>
+          <a:prstGeom prst="rect">
+            <a:avLst/>
+          </a:prstGeom>
+          <a:noFill/>
+        </p:spPr>
+        <p:txBody>
+          <a:bodyPr wrap="square" rtlCol="0">
+            <a:spAutoFit/>
+          </a:bodyPr>
+          <a:lstStyle/>
+          <a:p>
+            <a:pPr marL="285750" indent="-285750">
+              <a:buFont typeface="Arial" panose="020B0604020202020204" pitchFamily="34" charset="0"/>
+              <a:buChar char="•"/>
+            </a:pPr>
+            <a:r>
+              <a:rPr lang="en-US" dirty="0"/>
+              <a:t>Python uses whitespace and indentation to construct the code structure</a:t>
+            </a:r>
+          </a:p>
+        </p:txBody>
+      </p:sp>
+      <p:sp>
+        <p:nvSpPr>
+          <p:cNvPr id="19" name="Left Brace 18">
+            <a:extLst>
+              <a:ext uri="{FF2B5EF4-FFF2-40B4-BE49-F238E27FC236}">
+                <a16:creationId xmlns:a16="http://schemas.microsoft.com/office/drawing/2014/main" id="{3B20C34E-E782-6278-2853-D48AE3400B4F}"/>
+              </a:ext>
+            </a:extLst>
+          </p:cNvPr>
+          <p:cNvSpPr/>
+          <p:nvPr/>
+        </p:nvSpPr>
+        <p:spPr>
+          <a:xfrm>
+            <a:off x="3221420" y="2586124"/>
+            <a:ext cx="268014" cy="1044722"/>
+          </a:xfrm>
+          <a:prstGeom prst="leftBrace">
+            <a:avLst/>
+          </a:prstGeom>
+        </p:spPr>
+        <p:style>
+          <a:lnRef idx="2">
+            <a:schemeClr val="accent1"/>
+          </a:lnRef>
+          <a:fillRef idx="0">
+            <a:schemeClr val="accent1"/>
+          </a:fillRef>
+          <a:effectRef idx="1">
+            <a:schemeClr val="accent1"/>
+          </a:effectRef>
+          <a:fontRef idx="minor">
+            <a:schemeClr val="tx1"/>
+          </a:fontRef>
+        </p:style>
+        <p:txBody>
+          <a:bodyPr rtlCol="0" anchor="ctr"/>
+          <a:lstStyle/>
+          <a:p>
+            <a:pPr algn="ctr"/>
+            <a:endParaRPr lang="en-US"/>
+          </a:p>
+        </p:txBody>
+      </p:sp>
+      <p:sp>
+        <p:nvSpPr>
+          <p:cNvPr id="21" name="TextBox 20">
+            <a:extLst>
+              <a:ext uri="{FF2B5EF4-FFF2-40B4-BE49-F238E27FC236}">
+                <a16:creationId xmlns:a16="http://schemas.microsoft.com/office/drawing/2014/main" id="{C9FBC58E-93E2-5E9B-5B1D-8FDC3015CFEC}"/>
+              </a:ext>
+            </a:extLst>
+          </p:cNvPr>
+          <p:cNvSpPr txBox="1"/>
+          <p:nvPr/>
+        </p:nvSpPr>
+        <p:spPr>
+          <a:xfrm>
+            <a:off x="1024759" y="2826960"/>
+            <a:ext cx="2575034" cy="646331"/>
+          </a:xfrm>
+          <a:prstGeom prst="rect">
+            <a:avLst/>
+          </a:prstGeom>
+          <a:noFill/>
+        </p:spPr>
+        <p:txBody>
+          <a:bodyPr wrap="square" rtlCol="0">
+            <a:spAutoFit/>
+          </a:bodyPr>
+          <a:lstStyle/>
+          <a:p>
+            <a:r>
+              <a:rPr lang="en-US" dirty="0"/>
+              <a:t>Whitespace to define the block of coding</a:t>
+            </a:r>
+          </a:p>
+        </p:txBody>
+      </p:sp>
+      <p:sp>
+        <p:nvSpPr>
+          <p:cNvPr id="22" name="TextBox 21">
+            <a:extLst>
+              <a:ext uri="{FF2B5EF4-FFF2-40B4-BE49-F238E27FC236}">
+                <a16:creationId xmlns:a16="http://schemas.microsoft.com/office/drawing/2014/main" id="{313BB25C-EADF-58FC-E120-D968A804892A}"/>
+              </a:ext>
+            </a:extLst>
+          </p:cNvPr>
+          <p:cNvSpPr txBox="1"/>
+          <p:nvPr/>
+        </p:nvSpPr>
+        <p:spPr>
+          <a:xfrm>
+            <a:off x="714703" y="4394939"/>
+            <a:ext cx="3137339" cy="369332"/>
+          </a:xfrm>
+          <a:prstGeom prst="rect">
+            <a:avLst/>
+          </a:prstGeom>
+          <a:noFill/>
+        </p:spPr>
+        <p:txBody>
+          <a:bodyPr wrap="square" rtlCol="0">
+            <a:spAutoFit/>
+          </a:bodyPr>
+          <a:lstStyle/>
+          <a:p>
+            <a:pPr marL="285750" indent="-285750">
+              <a:buFont typeface="Arial" panose="020B0604020202020204" pitchFamily="34" charset="0"/>
+              <a:buChar char="•"/>
+            </a:pPr>
+            <a:r>
+              <a:rPr lang="en-US" dirty="0"/>
+              <a:t>More readable and uniform </a:t>
+            </a:r>
+          </a:p>
+        </p:txBody>
+      </p:sp>
+      <p:sp>
+        <p:nvSpPr>
+          <p:cNvPr id="23" name="TextBox 22">
+            <a:extLst>
+              <a:ext uri="{FF2B5EF4-FFF2-40B4-BE49-F238E27FC236}">
+                <a16:creationId xmlns:a16="http://schemas.microsoft.com/office/drawing/2014/main" id="{D2BE1765-349F-EBF0-5D9A-49B065BF760D}"/>
+              </a:ext>
+            </a:extLst>
+          </p:cNvPr>
+          <p:cNvSpPr txBox="1"/>
+          <p:nvPr/>
+        </p:nvSpPr>
+        <p:spPr>
+          <a:xfrm>
+            <a:off x="714703" y="5209611"/>
+            <a:ext cx="8103476" cy="369332"/>
+          </a:xfrm>
+          <a:prstGeom prst="rect">
+            <a:avLst/>
+          </a:prstGeom>
+          <a:noFill/>
+        </p:spPr>
+        <p:txBody>
+          <a:bodyPr wrap="square" rtlCol="0">
+            <a:spAutoFit/>
+          </a:bodyPr>
+          <a:lstStyle/>
+          <a:p>
+            <a:pPr marL="285750" indent="-285750">
+              <a:buFont typeface="Arial" panose="020B0604020202020204" pitchFamily="34" charset="0"/>
+              <a:buChar char="•"/>
+            </a:pPr>
+            <a:r>
+              <a:rPr lang="en-US" dirty="0"/>
+              <a:t>Python is case sensitive, so it encourages precision and clarity while coding.</a:t>
+            </a:r>
+          </a:p>
+        </p:txBody>
+      </p:sp>
       <p:cxnSp>
         <p:nvCxnSpPr>
-          <p:cNvPr id="11" name="Straight Arrow Connector 10">
-            <a:extLst>
-              <a:ext uri="{FF2B5EF4-FFF2-40B4-BE49-F238E27FC236}">
-                <a16:creationId xmlns:a16="http://schemas.microsoft.com/office/drawing/2014/main" id="{5DF45035-2F06-4012-FB96-067690EA6288}"/>
+          <p:cNvPr id="26" name="Straight Arrow Connector 25">
+            <a:extLst>
+              <a:ext uri="{FF2B5EF4-FFF2-40B4-BE49-F238E27FC236}">
+                <a16:creationId xmlns:a16="http://schemas.microsoft.com/office/drawing/2014/main" id="{4192F4BD-7BBA-CE27-FC98-CA3A02E7A948}"/>
               </a:ext>
             </a:extLst>
           </p:cNvPr>
@@ -3999,9 +4356,9 @@
           <p:nvPr/>
         </p:nvCxnSpPr>
         <p:spPr>
-          <a:xfrm>
-            <a:off x="3352800" y="1765738"/>
-            <a:ext cx="1112345" cy="0"/>
+          <a:xfrm flipH="1">
+            <a:off x="9249103" y="1166648"/>
+            <a:ext cx="504497" cy="840828"/>
           </a:xfrm>
           <a:prstGeom prst="straightConnector1">
             <a:avLst/>
@@ -4025,51 +4382,12 @@
           </a:fontRef>
         </p:style>
       </p:cxnSp>
-      <p:cxnSp>
-        <p:nvCxnSpPr>
-          <p:cNvPr id="12" name="Straight Arrow Connector 11">
-            <a:extLst>
-              <a:ext uri="{FF2B5EF4-FFF2-40B4-BE49-F238E27FC236}">
-                <a16:creationId xmlns:a16="http://schemas.microsoft.com/office/drawing/2014/main" id="{BFE4D219-E56A-25CF-76F1-7093054C2DFE}"/>
-              </a:ext>
-            </a:extLst>
-          </p:cNvPr>
-          <p:cNvCxnSpPr/>
-          <p:nvPr/>
-        </p:nvCxnSpPr>
-        <p:spPr>
-          <a:xfrm>
-            <a:off x="3352800" y="2296511"/>
-            <a:ext cx="1112345" cy="0"/>
-          </a:xfrm>
-          <a:prstGeom prst="straightConnector1">
-            <a:avLst/>
-          </a:prstGeom>
-          <a:ln>
-            <a:tailEnd type="triangle"/>
-          </a:ln>
-        </p:spPr>
-        <p:style>
-          <a:lnRef idx="2">
-            <a:schemeClr val="accent1"/>
-          </a:lnRef>
-          <a:fillRef idx="0">
-            <a:schemeClr val="accent1"/>
-          </a:fillRef>
-          <a:effectRef idx="1">
-            <a:schemeClr val="accent1"/>
-          </a:effectRef>
-          <a:fontRef idx="minor">
-            <a:schemeClr val="tx1"/>
-          </a:fontRef>
-        </p:style>
-      </p:cxnSp>
-      <p:sp>
-        <p:nvSpPr>
-          <p:cNvPr id="13" name="TextBox 12">
-            <a:extLst>
-              <a:ext uri="{FF2B5EF4-FFF2-40B4-BE49-F238E27FC236}">
-                <a16:creationId xmlns:a16="http://schemas.microsoft.com/office/drawing/2014/main" id="{0D9CD66F-5A55-02B8-8F5F-97E55784913C}"/>
+      <p:sp>
+        <p:nvSpPr>
+          <p:cNvPr id="27" name="TextBox 26">
+            <a:extLst>
+              <a:ext uri="{FF2B5EF4-FFF2-40B4-BE49-F238E27FC236}">
+                <a16:creationId xmlns:a16="http://schemas.microsoft.com/office/drawing/2014/main" id="{441C9DBC-E026-6396-0A62-0241EC1564D3}"/>
               </a:ext>
             </a:extLst>
           </p:cNvPr>
@@ -4078,8 +4396,8 @@
         </p:nvSpPr>
         <p:spPr>
           <a:xfrm>
-            <a:off x="977462" y="1535980"/>
-            <a:ext cx="2291255" cy="461665"/>
+            <a:off x="8818179" y="546538"/>
+            <a:ext cx="2007476" cy="646331"/>
           </a:xfrm>
           <a:prstGeom prst="rect">
             <a:avLst/>
@@ -4093,237 +4411,8 @@
           <a:lstStyle/>
           <a:p>
             <a:r>
-              <a:rPr lang="en-US" sz="1200" dirty="0"/>
-              <a:t>Type on your </a:t>
-            </a:r>
-            <a:r>
-              <a:rPr lang="en-US" sz="1200" dirty="0" err="1"/>
-              <a:t>jupyter</a:t>
-            </a:r>
-            <a:r>
-              <a:rPr lang="en-US" sz="1200" dirty="0"/>
-              <a:t> notebook (Google </a:t>
-            </a:r>
-            <a:r>
-              <a:rPr lang="en-US" sz="1200" dirty="0" err="1"/>
-              <a:t>Colab</a:t>
-            </a:r>
-            <a:r>
-              <a:rPr lang="en-US" sz="1200" dirty="0"/>
-              <a:t>)</a:t>
-            </a:r>
-          </a:p>
-        </p:txBody>
-      </p:sp>
-      <p:sp>
-        <p:nvSpPr>
-          <p:cNvPr id="14" name="TextBox 13">
-            <a:extLst>
-              <a:ext uri="{FF2B5EF4-FFF2-40B4-BE49-F238E27FC236}">
-                <a16:creationId xmlns:a16="http://schemas.microsoft.com/office/drawing/2014/main" id="{7415F80F-AD3F-D461-22B6-5BC88F8BE0F8}"/>
-              </a:ext>
-            </a:extLst>
-          </p:cNvPr>
-          <p:cNvSpPr txBox="1"/>
-          <p:nvPr/>
-        </p:nvSpPr>
-        <p:spPr>
-          <a:xfrm>
-            <a:off x="1986455" y="2158011"/>
-            <a:ext cx="2291255" cy="276999"/>
-          </a:xfrm>
-          <a:prstGeom prst="rect">
-            <a:avLst/>
-          </a:prstGeom>
-          <a:noFill/>
-        </p:spPr>
-        <p:txBody>
-          <a:bodyPr wrap="square" rtlCol="0">
-            <a:spAutoFit/>
-          </a:bodyPr>
-          <a:lstStyle/>
-          <a:p>
-            <a:r>
-              <a:rPr lang="en-US" sz="1200" dirty="0"/>
-              <a:t>Get the answer</a:t>
-            </a:r>
-          </a:p>
-        </p:txBody>
-      </p:sp>
-      <p:sp>
-        <p:nvSpPr>
-          <p:cNvPr id="15" name="TextBox 14">
-            <a:extLst>
-              <a:ext uri="{FF2B5EF4-FFF2-40B4-BE49-F238E27FC236}">
-                <a16:creationId xmlns:a16="http://schemas.microsoft.com/office/drawing/2014/main" id="{A2DCF685-A9FF-316D-FEB7-78287CA55F50}"/>
-              </a:ext>
-            </a:extLst>
-          </p:cNvPr>
-          <p:cNvSpPr txBox="1"/>
-          <p:nvPr/>
-        </p:nvSpPr>
-        <p:spPr>
-          <a:xfrm>
-            <a:off x="977461" y="2690649"/>
-            <a:ext cx="8082455" cy="369332"/>
-          </a:xfrm>
-          <a:prstGeom prst="rect">
-            <a:avLst/>
-          </a:prstGeom>
-          <a:noFill/>
-        </p:spPr>
-        <p:txBody>
-          <a:bodyPr wrap="square" rtlCol="0">
-            <a:spAutoFit/>
-          </a:bodyPr>
-          <a:lstStyle/>
-          <a:p>
-            <a:pPr marL="285750" indent="-285750">
-              <a:buFont typeface="Arial" panose="020B0604020202020204" pitchFamily="34" charset="0"/>
-              <a:buChar char="•"/>
-            </a:pPr>
-            <a:r>
-              <a:rPr lang="en-CA" dirty="0"/>
-              <a:t>But working with multiple variable is useful to assign each variable a name. </a:t>
-            </a:r>
-            <a:endParaRPr lang="en-US" dirty="0"/>
-          </a:p>
-        </p:txBody>
-      </p:sp>
-      <p:sp>
-        <p:nvSpPr>
-          <p:cNvPr id="17" name="TextBox 16">
-            <a:extLst>
-              <a:ext uri="{FF2B5EF4-FFF2-40B4-BE49-F238E27FC236}">
-                <a16:creationId xmlns:a16="http://schemas.microsoft.com/office/drawing/2014/main" id="{77C69E7A-70AA-9BD4-28CC-5A1F833AF1AF}"/>
-              </a:ext>
-            </a:extLst>
-          </p:cNvPr>
-          <p:cNvSpPr txBox="1"/>
-          <p:nvPr/>
-        </p:nvSpPr>
-        <p:spPr>
-          <a:xfrm>
-            <a:off x="977460" y="4292471"/>
-            <a:ext cx="8082455" cy="369332"/>
-          </a:xfrm>
-          <a:prstGeom prst="rect">
-            <a:avLst/>
-          </a:prstGeom>
-          <a:noFill/>
-        </p:spPr>
-        <p:txBody>
-          <a:bodyPr wrap="square" rtlCol="0">
-            <a:spAutoFit/>
-          </a:bodyPr>
-          <a:lstStyle/>
-          <a:p>
-            <a:pPr marL="285750" indent="-285750">
-              <a:buFont typeface="Arial" panose="020B0604020202020204" pitchFamily="34" charset="0"/>
-              <a:buChar char="•"/>
-            </a:pPr>
-            <a:r>
               <a:rPr lang="en-US" dirty="0"/>
-              <a:t>And then you can print the variable that you stored the operation. </a:t>
-            </a:r>
-          </a:p>
-        </p:txBody>
-      </p:sp>
-      <p:pic>
-        <p:nvPicPr>
-          <p:cNvPr id="18" name="Picture 17">
-            <a:extLst>
-              <a:ext uri="{FF2B5EF4-FFF2-40B4-BE49-F238E27FC236}">
-                <a16:creationId xmlns:a16="http://schemas.microsoft.com/office/drawing/2014/main" id="{F397BFAE-68C3-E271-3D90-52C726A0B1A6}"/>
-              </a:ext>
-            </a:extLst>
-          </p:cNvPr>
-          <p:cNvPicPr>
-            <a:picLocks noChangeAspect="1"/>
-          </p:cNvPicPr>
-          <p:nvPr/>
-        </p:nvPicPr>
-        <p:blipFill>
-          <a:blip r:embed="rId3"/>
-          <a:stretch>
-            <a:fillRect/>
-          </a:stretch>
-        </p:blipFill>
-        <p:spPr>
-          <a:xfrm>
-            <a:off x="3908972" y="5063854"/>
-            <a:ext cx="1447800" cy="431800"/>
-          </a:xfrm>
-          <a:prstGeom prst="rect">
-            <a:avLst/>
-          </a:prstGeom>
-        </p:spPr>
-      </p:pic>
-      <p:pic>
-        <p:nvPicPr>
-          <p:cNvPr id="19" name="Picture 18">
-            <a:extLst>
-              <a:ext uri="{FF2B5EF4-FFF2-40B4-BE49-F238E27FC236}">
-                <a16:creationId xmlns:a16="http://schemas.microsoft.com/office/drawing/2014/main" id="{93BA59C0-FC72-8329-E4E6-A770725934D9}"/>
-              </a:ext>
-            </a:extLst>
-          </p:cNvPr>
-          <p:cNvPicPr>
-            <a:picLocks noChangeAspect="1"/>
-          </p:cNvPicPr>
-          <p:nvPr/>
-        </p:nvPicPr>
-        <p:blipFill>
-          <a:blip r:embed="rId4"/>
-          <a:stretch>
-            <a:fillRect/>
-          </a:stretch>
-        </p:blipFill>
-        <p:spPr>
-          <a:xfrm>
-            <a:off x="3959772" y="3180187"/>
-            <a:ext cx="1397000" cy="876300"/>
-          </a:xfrm>
-          <a:prstGeom prst="rect">
-            <a:avLst/>
-          </a:prstGeom>
-        </p:spPr>
-      </p:pic>
-      <p:sp>
-        <p:nvSpPr>
-          <p:cNvPr id="20" name="TextBox 19">
-            <a:extLst>
-              <a:ext uri="{FF2B5EF4-FFF2-40B4-BE49-F238E27FC236}">
-                <a16:creationId xmlns:a16="http://schemas.microsoft.com/office/drawing/2014/main" id="{D8DDCEB9-CF01-013D-005C-EE71FE7A6058}"/>
-              </a:ext>
-            </a:extLst>
-          </p:cNvPr>
-          <p:cNvSpPr txBox="1"/>
-          <p:nvPr/>
-        </p:nvSpPr>
-        <p:spPr>
-          <a:xfrm>
-            <a:off x="977459" y="5927976"/>
-            <a:ext cx="8082455" cy="369332"/>
-          </a:xfrm>
-          <a:prstGeom prst="rect">
-            <a:avLst/>
-          </a:prstGeom>
-          <a:noFill/>
-        </p:spPr>
-        <p:txBody>
-          <a:bodyPr wrap="square" rtlCol="0">
-            <a:spAutoFit/>
-          </a:bodyPr>
-          <a:lstStyle/>
-          <a:p>
-            <a:pPr marL="285750" indent="-285750">
-              <a:buFont typeface="Arial" panose="020B0604020202020204" pitchFamily="34" charset="0"/>
-              <a:buChar char="•"/>
-            </a:pPr>
-            <a:r>
-              <a:rPr lang="en-US" dirty="0"/>
-              <a:t>You can print multiple variables, strings, arrays... </a:t>
+              <a:t>A comment that is not executed</a:t>
             </a:r>
           </a:p>
         </p:txBody>
@@ -4331,7 +4420,7 @@
     </p:spTree>
     <p:extLst>
       <p:ext uri="{BB962C8B-B14F-4D97-AF65-F5344CB8AC3E}">
-        <p14:creationId xmlns:p14="http://schemas.microsoft.com/office/powerpoint/2010/main" val="3331207522"/>
+        <p14:creationId xmlns:p14="http://schemas.microsoft.com/office/powerpoint/2010/main" val="2783275743"/>
       </p:ext>
     </p:extLst>
   </p:cSld>
@@ -4360,10 +4449,10 @@
       </p:grpSpPr>
       <p:sp>
         <p:nvSpPr>
-          <p:cNvPr id="4" name="Title 1">
-            <a:extLst>
-              <a:ext uri="{FF2B5EF4-FFF2-40B4-BE49-F238E27FC236}">
-                <a16:creationId xmlns:a16="http://schemas.microsoft.com/office/drawing/2014/main" id="{70950251-2E1E-27FB-2C8D-4507387905AE}"/>
+          <p:cNvPr id="6" name="Title 1">
+            <a:extLst>
+              <a:ext uri="{FF2B5EF4-FFF2-40B4-BE49-F238E27FC236}">
+                <a16:creationId xmlns:a16="http://schemas.microsoft.com/office/drawing/2014/main" id="{E5A2A7AC-13DC-1BD0-1B41-1D1FDA143B8F}"/>
               </a:ext>
             </a:extLst>
           </p:cNvPr>
@@ -4374,7 +4463,7 @@
         </p:nvSpPr>
         <p:spPr>
           <a:xfrm>
-            <a:off x="241738" y="239493"/>
+            <a:off x="231227" y="239492"/>
             <a:ext cx="7010400" cy="622354"/>
           </a:xfrm>
           <a:prstGeom prst="rect">
@@ -4407,17 +4496,17 @@
           <a:p>
             <a:r>
               <a:rPr lang="en-US" sz="3200" dirty="0"/>
-              <a:t>List and operations with lists</a:t>
-            </a:r>
-          </a:p>
-        </p:txBody>
-      </p:sp>
-      <p:sp>
-        <p:nvSpPr>
-          <p:cNvPr id="5" name="TextBox 4">
-            <a:extLst>
-              <a:ext uri="{FF2B5EF4-FFF2-40B4-BE49-F238E27FC236}">
-                <a16:creationId xmlns:a16="http://schemas.microsoft.com/office/drawing/2014/main" id="{2BED056A-ABCE-524C-42B2-2E41B7DA85E1}"/>
+              <a:t>Basic operations</a:t>
+            </a:r>
+          </a:p>
+        </p:txBody>
+      </p:sp>
+      <p:sp>
+        <p:nvSpPr>
+          <p:cNvPr id="8" name="TextBox 7">
+            <a:extLst>
+              <a:ext uri="{FF2B5EF4-FFF2-40B4-BE49-F238E27FC236}">
+                <a16:creationId xmlns:a16="http://schemas.microsoft.com/office/drawing/2014/main" id="{7AA6D9BB-F051-9263-CC84-A0F7BC1EA638}"/>
               </a:ext>
             </a:extLst>
           </p:cNvPr>
@@ -4446,17 +4535,17 @@
             </a:pPr>
             <a:r>
               <a:rPr lang="en-CA" dirty="0"/>
-              <a:t>You can create lists and populate them with numbers and strings. </a:t>
+              <a:t>You can compute basic operations directly. </a:t>
             </a:r>
           </a:p>
         </p:txBody>
       </p:sp>
       <p:pic>
         <p:nvPicPr>
-          <p:cNvPr id="6" name="Picture 5">
-            <a:extLst>
-              <a:ext uri="{FF2B5EF4-FFF2-40B4-BE49-F238E27FC236}">
-                <a16:creationId xmlns:a16="http://schemas.microsoft.com/office/drawing/2014/main" id="{FC5941CC-C163-6881-C61F-3AF51CC0D5E1}"/>
+          <p:cNvPr id="9" name="Picture 8">
+            <a:extLst>
+              <a:ext uri="{FF2B5EF4-FFF2-40B4-BE49-F238E27FC236}">
+                <a16:creationId xmlns:a16="http://schemas.microsoft.com/office/drawing/2014/main" id="{2DD342B4-6D23-CE01-8EEA-6F2267CFEBED}"/>
               </a:ext>
             </a:extLst>
           </p:cNvPr>
@@ -4473,20 +4562,98 @@
         </p:blipFill>
         <p:spPr>
           <a:xfrm>
-            <a:off x="3205436" y="1591159"/>
-            <a:ext cx="4330700" cy="736600"/>
+            <a:off x="4465145" y="1535980"/>
+            <a:ext cx="1241972" cy="945592"/>
           </a:xfrm>
           <a:prstGeom prst="rect">
             <a:avLst/>
           </a:prstGeom>
         </p:spPr>
       </p:pic>
-      <p:sp>
-        <p:nvSpPr>
-          <p:cNvPr id="8" name="TextBox 7">
-            <a:extLst>
-              <a:ext uri="{FF2B5EF4-FFF2-40B4-BE49-F238E27FC236}">
-                <a16:creationId xmlns:a16="http://schemas.microsoft.com/office/drawing/2014/main" id="{3EE7AF18-CA35-9DA7-CCCC-CC44EE0199A4}"/>
+      <p:cxnSp>
+        <p:nvCxnSpPr>
+          <p:cNvPr id="11" name="Straight Arrow Connector 10">
+            <a:extLst>
+              <a:ext uri="{FF2B5EF4-FFF2-40B4-BE49-F238E27FC236}">
+                <a16:creationId xmlns:a16="http://schemas.microsoft.com/office/drawing/2014/main" id="{5DF45035-2F06-4012-FB96-067690EA6288}"/>
+              </a:ext>
+            </a:extLst>
+          </p:cNvPr>
+          <p:cNvCxnSpPr/>
+          <p:nvPr/>
+        </p:nvCxnSpPr>
+        <p:spPr>
+          <a:xfrm>
+            <a:off x="3352800" y="1765738"/>
+            <a:ext cx="1112345" cy="0"/>
+          </a:xfrm>
+          <a:prstGeom prst="straightConnector1">
+            <a:avLst/>
+          </a:prstGeom>
+          <a:ln>
+            <a:tailEnd type="triangle"/>
+          </a:ln>
+        </p:spPr>
+        <p:style>
+          <a:lnRef idx="2">
+            <a:schemeClr val="accent1"/>
+          </a:lnRef>
+          <a:fillRef idx="0">
+            <a:schemeClr val="accent1"/>
+          </a:fillRef>
+          <a:effectRef idx="1">
+            <a:schemeClr val="accent1"/>
+          </a:effectRef>
+          <a:fontRef idx="minor">
+            <a:schemeClr val="tx1"/>
+          </a:fontRef>
+        </p:style>
+      </p:cxnSp>
+      <p:cxnSp>
+        <p:nvCxnSpPr>
+          <p:cNvPr id="12" name="Straight Arrow Connector 11">
+            <a:extLst>
+              <a:ext uri="{FF2B5EF4-FFF2-40B4-BE49-F238E27FC236}">
+                <a16:creationId xmlns:a16="http://schemas.microsoft.com/office/drawing/2014/main" id="{BFE4D219-E56A-25CF-76F1-7093054C2DFE}"/>
+              </a:ext>
+            </a:extLst>
+          </p:cNvPr>
+          <p:cNvCxnSpPr/>
+          <p:nvPr/>
+        </p:nvCxnSpPr>
+        <p:spPr>
+          <a:xfrm>
+            <a:off x="3352800" y="2296511"/>
+            <a:ext cx="1112345" cy="0"/>
+          </a:xfrm>
+          <a:prstGeom prst="straightConnector1">
+            <a:avLst/>
+          </a:prstGeom>
+          <a:ln>
+            <a:tailEnd type="triangle"/>
+          </a:ln>
+        </p:spPr>
+        <p:style>
+          <a:lnRef idx="2">
+            <a:schemeClr val="accent1"/>
+          </a:lnRef>
+          <a:fillRef idx="0">
+            <a:schemeClr val="accent1"/>
+          </a:fillRef>
+          <a:effectRef idx="1">
+            <a:schemeClr val="accent1"/>
+          </a:effectRef>
+          <a:fontRef idx="minor">
+            <a:schemeClr val="tx1"/>
+          </a:fontRef>
+        </p:style>
+      </p:cxnSp>
+      <p:sp>
+        <p:nvSpPr>
+          <p:cNvPr id="13" name="TextBox 12">
+            <a:extLst>
+              <a:ext uri="{FF2B5EF4-FFF2-40B4-BE49-F238E27FC236}">
+                <a16:creationId xmlns:a16="http://schemas.microsoft.com/office/drawing/2014/main" id="{0D9CD66F-5A55-02B8-8F5F-97E55784913C}"/>
               </a:ext>
             </a:extLst>
           </p:cNvPr>
@@ -4495,8 +4662,94 @@
         </p:nvSpPr>
         <p:spPr>
           <a:xfrm>
-            <a:off x="714702" y="2716924"/>
-            <a:ext cx="10436773" cy="1200329"/>
+            <a:off x="977462" y="1535980"/>
+            <a:ext cx="2291255" cy="461665"/>
+          </a:xfrm>
+          <a:prstGeom prst="rect">
+            <a:avLst/>
+          </a:prstGeom>
+          <a:noFill/>
+        </p:spPr>
+        <p:txBody>
+          <a:bodyPr wrap="square" rtlCol="0">
+            <a:spAutoFit/>
+          </a:bodyPr>
+          <a:lstStyle/>
+          <a:p>
+            <a:r>
+              <a:rPr lang="en-US" sz="1200" dirty="0"/>
+              <a:t>Type on your </a:t>
+            </a:r>
+            <a:r>
+              <a:rPr lang="en-US" sz="1200" dirty="0" err="1"/>
+              <a:t>jupyter</a:t>
+            </a:r>
+            <a:r>
+              <a:rPr lang="en-US" sz="1200" dirty="0"/>
+              <a:t> notebook (Google </a:t>
+            </a:r>
+            <a:r>
+              <a:rPr lang="en-US" sz="1200" dirty="0" err="1"/>
+              <a:t>Colab</a:t>
+            </a:r>
+            <a:r>
+              <a:rPr lang="en-US" sz="1200" dirty="0"/>
+              <a:t>)</a:t>
+            </a:r>
+          </a:p>
+        </p:txBody>
+      </p:sp>
+      <p:sp>
+        <p:nvSpPr>
+          <p:cNvPr id="14" name="TextBox 13">
+            <a:extLst>
+              <a:ext uri="{FF2B5EF4-FFF2-40B4-BE49-F238E27FC236}">
+                <a16:creationId xmlns:a16="http://schemas.microsoft.com/office/drawing/2014/main" id="{7415F80F-AD3F-D461-22B6-5BC88F8BE0F8}"/>
+              </a:ext>
+            </a:extLst>
+          </p:cNvPr>
+          <p:cNvSpPr txBox="1"/>
+          <p:nvPr/>
+        </p:nvSpPr>
+        <p:spPr>
+          <a:xfrm>
+            <a:off x="1986455" y="2158011"/>
+            <a:ext cx="2291255" cy="276999"/>
+          </a:xfrm>
+          <a:prstGeom prst="rect">
+            <a:avLst/>
+          </a:prstGeom>
+          <a:noFill/>
+        </p:spPr>
+        <p:txBody>
+          <a:bodyPr wrap="square" rtlCol="0">
+            <a:spAutoFit/>
+          </a:bodyPr>
+          <a:lstStyle/>
+          <a:p>
+            <a:r>
+              <a:rPr lang="en-US" sz="1200" dirty="0"/>
+              <a:t>Get the answer</a:t>
+            </a:r>
+          </a:p>
+        </p:txBody>
+      </p:sp>
+      <p:sp>
+        <p:nvSpPr>
+          <p:cNvPr id="15" name="TextBox 14">
+            <a:extLst>
+              <a:ext uri="{FF2B5EF4-FFF2-40B4-BE49-F238E27FC236}">
+                <a16:creationId xmlns:a16="http://schemas.microsoft.com/office/drawing/2014/main" id="{A2DCF685-A9FF-316D-FEB7-78287CA55F50}"/>
+              </a:ext>
+            </a:extLst>
+          </p:cNvPr>
+          <p:cNvSpPr txBox="1"/>
+          <p:nvPr/>
+        </p:nvSpPr>
+        <p:spPr>
+          <a:xfrm>
+            <a:off x="977461" y="2690649"/>
+            <a:ext cx="8082455" cy="369332"/>
           </a:xfrm>
           <a:prstGeom prst="rect">
             <a:avLst/>
@@ -4515,47 +4768,18 @@
             </a:pPr>
             <a:r>
               <a:rPr lang="en-CA" dirty="0"/>
-              <a:t>Lists are:</a:t>
-            </a:r>
-          </a:p>
-          <a:p>
-            <a:pPr marL="800100" lvl="1" indent="-342900">
-              <a:buFont typeface="+mj-lt"/>
-              <a:buAutoNum type="arabicPeriod"/>
-            </a:pPr>
-            <a:r>
-              <a:rPr lang="en-CA" dirty="0"/>
-              <a:t>Ordered </a:t>
-            </a:r>
-          </a:p>
-          <a:p>
-            <a:pPr marL="800100" lvl="1" indent="-342900">
-              <a:buFont typeface="+mj-lt"/>
-              <a:buAutoNum type="arabicPeriod"/>
-            </a:pPr>
-            <a:r>
-              <a:rPr lang="en-CA" dirty="0"/>
-              <a:t>Mutable </a:t>
-            </a:r>
-          </a:p>
-          <a:p>
-            <a:pPr marL="800100" lvl="1" indent="-342900">
-              <a:buFont typeface="+mj-lt"/>
-              <a:buAutoNum type="arabicPeriod"/>
-            </a:pPr>
-            <a:r>
-              <a:rPr lang="en-CA" dirty="0"/>
-              <a:t>Denoted by square brackets</a:t>
-            </a:r>
-          </a:p>
-        </p:txBody>
-      </p:sp>
-      <p:sp>
-        <p:nvSpPr>
-          <p:cNvPr id="9" name="TextBox 8">
-            <a:extLst>
-              <a:ext uri="{FF2B5EF4-FFF2-40B4-BE49-F238E27FC236}">
-                <a16:creationId xmlns:a16="http://schemas.microsoft.com/office/drawing/2014/main" id="{957C2805-0C64-B52F-9C9F-5882886C0568}"/>
+              <a:t>But working with multiple variable is useful to assign each variable a name. </a:t>
+            </a:r>
+            <a:endParaRPr lang="en-US" dirty="0"/>
+          </a:p>
+        </p:txBody>
+      </p:sp>
+      <p:sp>
+        <p:nvSpPr>
+          <p:cNvPr id="17" name="TextBox 16">
+            <a:extLst>
+              <a:ext uri="{FF2B5EF4-FFF2-40B4-BE49-F238E27FC236}">
+                <a16:creationId xmlns:a16="http://schemas.microsoft.com/office/drawing/2014/main" id="{77C69E7A-70AA-9BD4-28CC-5A1F833AF1AF}"/>
               </a:ext>
             </a:extLst>
           </p:cNvPr>
@@ -4564,8 +4788,8 @@
         </p:nvSpPr>
         <p:spPr>
           <a:xfrm>
-            <a:off x="714703" y="4306418"/>
-            <a:ext cx="3783726" cy="369332"/>
+            <a:off x="977460" y="4292471"/>
+            <a:ext cx="8082455" cy="369332"/>
           </a:xfrm>
           <a:prstGeom prst="rect">
             <a:avLst/>
@@ -4583,18 +4807,18 @@
               <a:buChar char="•"/>
             </a:pPr>
             <a:r>
-              <a:rPr lang="en-CA" dirty="0"/>
-              <a:t>You can check the length of a list </a:t>
+              <a:rPr lang="en-US" dirty="0"/>
+              <a:t>And then you can print the variable that you stored the operation. </a:t>
             </a:r>
           </a:p>
         </p:txBody>
       </p:sp>
       <p:pic>
         <p:nvPicPr>
-          <p:cNvPr id="10" name="Picture 9">
-            <a:extLst>
-              <a:ext uri="{FF2B5EF4-FFF2-40B4-BE49-F238E27FC236}">
-                <a16:creationId xmlns:a16="http://schemas.microsoft.com/office/drawing/2014/main" id="{81025227-AF27-961E-753F-E6AE043B0537}"/>
+          <p:cNvPr id="18" name="Picture 17">
+            <a:extLst>
+              <a:ext uri="{FF2B5EF4-FFF2-40B4-BE49-F238E27FC236}">
+                <a16:creationId xmlns:a16="http://schemas.microsoft.com/office/drawing/2014/main" id="{F397BFAE-68C3-E271-3D90-52C726A0B1A6}"/>
               </a:ext>
             </a:extLst>
           </p:cNvPr>
@@ -4611,67 +4835,20 @@
         </p:blipFill>
         <p:spPr>
           <a:xfrm>
-            <a:off x="1163144" y="5137330"/>
-            <a:ext cx="2844800" cy="635000"/>
+            <a:off x="3908972" y="5063854"/>
+            <a:ext cx="1447800" cy="431800"/>
           </a:xfrm>
           <a:prstGeom prst="rect">
             <a:avLst/>
           </a:prstGeom>
         </p:spPr>
       </p:pic>
-      <p:sp>
-        <p:nvSpPr>
-          <p:cNvPr id="11" name="TextBox 10">
-            <a:extLst>
-              <a:ext uri="{FF2B5EF4-FFF2-40B4-BE49-F238E27FC236}">
-                <a16:creationId xmlns:a16="http://schemas.microsoft.com/office/drawing/2014/main" id="{C9A9B971-8C0C-B94A-BB3D-BE54491B4472}"/>
-              </a:ext>
-            </a:extLst>
-          </p:cNvPr>
-          <p:cNvSpPr txBox="1"/>
-          <p:nvPr/>
-        </p:nvSpPr>
-        <p:spPr>
-          <a:xfrm>
-            <a:off x="5644273" y="4287829"/>
-            <a:ext cx="5507202" cy="646331"/>
-          </a:xfrm>
-          <a:prstGeom prst="rect">
-            <a:avLst/>
-          </a:prstGeom>
-          <a:noFill/>
-        </p:spPr>
-        <p:txBody>
-          <a:bodyPr wrap="square" rtlCol="0">
-            <a:spAutoFit/>
-          </a:bodyPr>
-          <a:lstStyle/>
-          <a:p>
-            <a:pPr marL="285750" indent="-285750">
-              <a:buFont typeface="Arial" panose="020B0604020202020204" pitchFamily="34" charset="0"/>
-              <a:buChar char="•"/>
-            </a:pPr>
-            <a:r>
-              <a:rPr lang="en-CA" dirty="0"/>
-              <a:t>You can add more variables to your list by using the </a:t>
-            </a:r>
-            <a:r>
-              <a:rPr lang="en-CA" i="1" dirty="0"/>
-              <a:t>append</a:t>
-            </a:r>
-            <a:r>
-              <a:rPr lang="en-CA" dirty="0"/>
-              <a:t> command </a:t>
-            </a:r>
-          </a:p>
-        </p:txBody>
-      </p:sp>
       <p:pic>
         <p:nvPicPr>
-          <p:cNvPr id="12" name="Picture 11">
-            <a:extLst>
-              <a:ext uri="{FF2B5EF4-FFF2-40B4-BE49-F238E27FC236}">
-                <a16:creationId xmlns:a16="http://schemas.microsoft.com/office/drawing/2014/main" id="{B3229C61-46F4-3679-ED74-A31414FC5E53}"/>
+          <p:cNvPr id="19" name="Picture 18">
+            <a:extLst>
+              <a:ext uri="{FF2B5EF4-FFF2-40B4-BE49-F238E27FC236}">
+                <a16:creationId xmlns:a16="http://schemas.microsoft.com/office/drawing/2014/main" id="{93BA59C0-FC72-8329-E4E6-A770725934D9}"/>
               </a:ext>
             </a:extLst>
           </p:cNvPr>
@@ -4688,18 +4865,57 @@
         </p:blipFill>
         <p:spPr>
           <a:xfrm>
-            <a:off x="6748955" y="5137330"/>
-            <a:ext cx="2667000" cy="825500"/>
+            <a:off x="3959772" y="3180187"/>
+            <a:ext cx="1397000" cy="876300"/>
           </a:xfrm>
           <a:prstGeom prst="rect">
             <a:avLst/>
           </a:prstGeom>
         </p:spPr>
       </p:pic>
+      <p:sp>
+        <p:nvSpPr>
+          <p:cNvPr id="20" name="TextBox 19">
+            <a:extLst>
+              <a:ext uri="{FF2B5EF4-FFF2-40B4-BE49-F238E27FC236}">
+                <a16:creationId xmlns:a16="http://schemas.microsoft.com/office/drawing/2014/main" id="{D8DDCEB9-CF01-013D-005C-EE71FE7A6058}"/>
+              </a:ext>
+            </a:extLst>
+          </p:cNvPr>
+          <p:cNvSpPr txBox="1"/>
+          <p:nvPr/>
+        </p:nvSpPr>
+        <p:spPr>
+          <a:xfrm>
+            <a:off x="977459" y="5927976"/>
+            <a:ext cx="8082455" cy="369332"/>
+          </a:xfrm>
+          <a:prstGeom prst="rect">
+            <a:avLst/>
+          </a:prstGeom>
+          <a:noFill/>
+        </p:spPr>
+        <p:txBody>
+          <a:bodyPr wrap="square" rtlCol="0">
+            <a:spAutoFit/>
+          </a:bodyPr>
+          <a:lstStyle/>
+          <a:p>
+            <a:pPr marL="285750" indent="-285750">
+              <a:buFont typeface="Arial" panose="020B0604020202020204" pitchFamily="34" charset="0"/>
+              <a:buChar char="•"/>
+            </a:pPr>
+            <a:r>
+              <a:rPr lang="en-US" dirty="0"/>
+              <a:t>You can print multiple variables, strings, arrays... </a:t>
+            </a:r>
+          </a:p>
+        </p:txBody>
+      </p:sp>
     </p:spTree>
     <p:extLst>
       <p:ext uri="{BB962C8B-B14F-4D97-AF65-F5344CB8AC3E}">
-        <p14:creationId xmlns:p14="http://schemas.microsoft.com/office/powerpoint/2010/main" val="1419235138"/>
+        <p14:creationId xmlns:p14="http://schemas.microsoft.com/office/powerpoint/2010/main" val="3331207522"/>
       </p:ext>
     </p:extLst>
   </p:cSld>
@@ -4728,108 +4944,64 @@
       </p:grpSpPr>
       <p:sp>
         <p:nvSpPr>
-          <p:cNvPr id="34" name="Rectangle 33">
-            <a:extLst>
-              <a:ext uri="{FF2B5EF4-FFF2-40B4-BE49-F238E27FC236}">
-                <a16:creationId xmlns:a16="http://schemas.microsoft.com/office/drawing/2014/main" id="{AD9964B3-4406-7CB7-01AA-4B17646F9B24}"/>
-              </a:ext>
-            </a:extLst>
-          </p:cNvPr>
-          <p:cNvSpPr/>
+          <p:cNvPr id="4" name="Title 1">
+            <a:extLst>
+              <a:ext uri="{FF2B5EF4-FFF2-40B4-BE49-F238E27FC236}">
+                <a16:creationId xmlns:a16="http://schemas.microsoft.com/office/drawing/2014/main" id="{70950251-2E1E-27FB-2C8D-4507387905AE}"/>
+              </a:ext>
+            </a:extLst>
+          </p:cNvPr>
+          <p:cNvSpPr txBox="1">
+            <a:spLocks/>
+          </p:cNvSpPr>
           <p:nvPr/>
         </p:nvSpPr>
         <p:spPr>
           <a:xfrm>
-            <a:off x="7367749" y="3571487"/>
-            <a:ext cx="1639601" cy="369333"/>
+            <a:off x="241738" y="239493"/>
+            <a:ext cx="7010400" cy="622354"/>
           </a:xfrm>
           <a:prstGeom prst="rect">
             <a:avLst/>
           </a:prstGeom>
-          <a:ln>
-            <a:solidFill>
-              <a:srgbClr val="FF0000"/>
-            </a:solidFill>
-          </a:ln>
-        </p:spPr>
-        <p:style>
-          <a:lnRef idx="2">
-            <a:schemeClr val="accent6"/>
-          </a:lnRef>
-          <a:fillRef idx="1">
-            <a:schemeClr val="lt1"/>
-          </a:fillRef>
-          <a:effectRef idx="0">
-            <a:schemeClr val="accent6"/>
-          </a:effectRef>
-          <a:fontRef idx="minor">
-            <a:schemeClr val="dk1"/>
-          </a:fontRef>
-        </p:style>
-        <p:txBody>
-          <a:bodyPr rtlCol="0" anchor="ctr"/>
-          <a:lstStyle/>
-          <a:p>
-            <a:pPr algn="ctr"/>
-            <a:endParaRPr lang="en-US"/>
-          </a:p>
-        </p:txBody>
-      </p:sp>
-      <p:sp>
-        <p:nvSpPr>
-          <p:cNvPr id="33" name="Rectangle 32">
-            <a:extLst>
-              <a:ext uri="{FF2B5EF4-FFF2-40B4-BE49-F238E27FC236}">
-                <a16:creationId xmlns:a16="http://schemas.microsoft.com/office/drawing/2014/main" id="{B71FF795-D9AE-4F99-E3D0-462F9C9EF3C7}"/>
-              </a:ext>
-            </a:extLst>
-          </p:cNvPr>
-          <p:cNvSpPr/>
-          <p:nvPr/>
-        </p:nvSpPr>
-        <p:spPr>
-          <a:xfrm>
-            <a:off x="1707928" y="5583971"/>
-            <a:ext cx="1576552" cy="426186"/>
-          </a:xfrm>
-          <a:prstGeom prst="rect">
-            <a:avLst/>
-          </a:prstGeom>
-          <a:ln>
-            <a:solidFill>
-              <a:schemeClr val="accent1"/>
-            </a:solidFill>
-          </a:ln>
-        </p:spPr>
-        <p:style>
-          <a:lnRef idx="2">
-            <a:schemeClr val="accent6"/>
-          </a:lnRef>
-          <a:fillRef idx="1">
-            <a:schemeClr val="lt1"/>
-          </a:fillRef>
-          <a:effectRef idx="0">
-            <a:schemeClr val="accent6"/>
-          </a:effectRef>
-          <a:fontRef idx="minor">
-            <a:schemeClr val="dk1"/>
-          </a:fontRef>
-        </p:style>
-        <p:txBody>
-          <a:bodyPr rtlCol="0" anchor="ctr"/>
-          <a:lstStyle/>
-          <a:p>
-            <a:pPr algn="ctr"/>
-            <a:endParaRPr lang="en-US"/>
-          </a:p>
-        </p:txBody>
-      </p:sp>
-      <p:sp>
-        <p:nvSpPr>
-          <p:cNvPr id="6" name="TextBox 5">
-            <a:extLst>
-              <a:ext uri="{FF2B5EF4-FFF2-40B4-BE49-F238E27FC236}">
-                <a16:creationId xmlns:a16="http://schemas.microsoft.com/office/drawing/2014/main" id="{AF57B0F9-6E2F-DF07-1C9D-F0BD727DF50C}"/>
+        </p:spPr>
+        <p:txBody>
+          <a:bodyPr vert="horz" lIns="91440" tIns="45720" rIns="91440" bIns="45720" rtlCol="0" anchor="ctr">
+            <a:normAutofit/>
+          </a:bodyPr>
+          <a:lstStyle>
+            <a:lvl1pPr algn="l" defTabSz="914400" rtl="0" eaLnBrk="1" latinLnBrk="0" hangingPunct="1">
+              <a:lnSpc>
+                <a:spcPct val="90000"/>
+              </a:lnSpc>
+              <a:spcBef>
+                <a:spcPct val="0"/>
+              </a:spcBef>
+              <a:buNone/>
+              <a:defRPr sz="4400" kern="1200">
+                <a:solidFill>
+                  <a:schemeClr val="tx1"/>
+                </a:solidFill>
+                <a:latin typeface="+mj-lt"/>
+                <a:ea typeface="+mj-ea"/>
+                <a:cs typeface="+mj-cs"/>
+              </a:defRPr>
+            </a:lvl1pPr>
+          </a:lstStyle>
+          <a:p>
+            <a:r>
+              <a:rPr lang="en-US" sz="3200" dirty="0"/>
+              <a:t>List and operations with lists</a:t>
+            </a:r>
+          </a:p>
+        </p:txBody>
+      </p:sp>
+      <p:sp>
+        <p:nvSpPr>
+          <p:cNvPr id="5" name="TextBox 4">
+            <a:extLst>
+              <a:ext uri="{FF2B5EF4-FFF2-40B4-BE49-F238E27FC236}">
+                <a16:creationId xmlns:a16="http://schemas.microsoft.com/office/drawing/2014/main" id="{2BED056A-ABCE-524C-42B2-2E41B7DA85E1}"/>
               </a:ext>
             </a:extLst>
           </p:cNvPr>
@@ -4838,7 +5010,7 @@
         </p:nvSpPr>
         <p:spPr>
           <a:xfrm>
-            <a:off x="588579" y="393403"/>
+            <a:off x="714703" y="1166648"/>
             <a:ext cx="10436773" cy="369332"/>
           </a:xfrm>
           <a:prstGeom prst="rect">
@@ -4858,26 +5030,47 @@
             </a:pPr>
             <a:r>
               <a:rPr lang="en-CA" dirty="0"/>
-              <a:t>Given a list </a:t>
-            </a:r>
-            <a:r>
-              <a:rPr lang="en-CA" i="1" dirty="0"/>
-              <a:t>L = [1,2,3,4,5,6,7,8,9]  </a:t>
-            </a:r>
-            <a:r>
-              <a:rPr lang="en-CA" dirty="0"/>
-              <a:t>. We can access a specific position of the list using slicing. </a:t>
-            </a:r>
-            <a:endParaRPr lang="en-CA" i="1" dirty="0"/>
-          </a:p>
-        </p:txBody>
-      </p:sp>
-      <p:sp>
-        <p:nvSpPr>
-          <p:cNvPr id="7" name="TextBox 6">
-            <a:extLst>
-              <a:ext uri="{FF2B5EF4-FFF2-40B4-BE49-F238E27FC236}">
-                <a16:creationId xmlns:a16="http://schemas.microsoft.com/office/drawing/2014/main" id="{E54FE65C-FFA0-B866-14D6-9FEF214AD1BE}"/>
+              <a:t>You can create lists and populate them with numbers and strings. </a:t>
+            </a:r>
+          </a:p>
+        </p:txBody>
+      </p:sp>
+      <p:pic>
+        <p:nvPicPr>
+          <p:cNvPr id="6" name="Picture 5">
+            <a:extLst>
+              <a:ext uri="{FF2B5EF4-FFF2-40B4-BE49-F238E27FC236}">
+                <a16:creationId xmlns:a16="http://schemas.microsoft.com/office/drawing/2014/main" id="{FC5941CC-C163-6881-C61F-3AF51CC0D5E1}"/>
+              </a:ext>
+            </a:extLst>
+          </p:cNvPr>
+          <p:cNvPicPr>
+            <a:picLocks noChangeAspect="1"/>
+          </p:cNvPicPr>
+          <p:nvPr/>
+        </p:nvPicPr>
+        <p:blipFill>
+          <a:blip r:embed="rId2"/>
+          <a:stretch>
+            <a:fillRect/>
+          </a:stretch>
+        </p:blipFill>
+        <p:spPr>
+          <a:xfrm>
+            <a:off x="3205436" y="1591159"/>
+            <a:ext cx="4330700" cy="736600"/>
+          </a:xfrm>
+          <a:prstGeom prst="rect">
+            <a:avLst/>
+          </a:prstGeom>
+        </p:spPr>
+      </p:pic>
+      <p:sp>
+        <p:nvSpPr>
+          <p:cNvPr id="8" name="TextBox 7">
+            <a:extLst>
+              <a:ext uri="{FF2B5EF4-FFF2-40B4-BE49-F238E27FC236}">
+                <a16:creationId xmlns:a16="http://schemas.microsoft.com/office/drawing/2014/main" id="{3EE7AF18-CA35-9DA7-CCCC-CC44EE0199A4}"/>
               </a:ext>
             </a:extLst>
           </p:cNvPr>
@@ -4886,174 +5079,8 @@
         </p:nvSpPr>
         <p:spPr>
           <a:xfrm>
-            <a:off x="588578" y="1039789"/>
-            <a:ext cx="10436773" cy="1477328"/>
-          </a:xfrm>
-          <a:prstGeom prst="rect">
-            <a:avLst/>
-          </a:prstGeom>
-          <a:noFill/>
-        </p:spPr>
-        <p:txBody>
-          <a:bodyPr wrap="square" rtlCol="0">
-            <a:spAutoFit/>
-          </a:bodyPr>
-          <a:lstStyle/>
-          <a:p>
-            <a:pPr marL="742950" lvl="1" indent="-285750">
-              <a:buFont typeface="Arial" panose="020B0604020202020204" pitchFamily="34" charset="0"/>
-              <a:buChar char="•"/>
-            </a:pPr>
-            <a:r>
-              <a:rPr lang="en-CA" dirty="0"/>
-              <a:t>The whole list:  </a:t>
-            </a:r>
-            <a:r>
-              <a:rPr lang="en-CA" i="1" dirty="0"/>
-              <a:t>L[:]</a:t>
-            </a:r>
-          </a:p>
-          <a:p>
-            <a:pPr marL="742950" lvl="1" indent="-285750">
-              <a:buFont typeface="Arial" panose="020B0604020202020204" pitchFamily="34" charset="0"/>
-              <a:buChar char="•"/>
-            </a:pPr>
-            <a:r>
-              <a:rPr lang="en-CA" dirty="0"/>
-              <a:t>Everything after (and including) index position </a:t>
-            </a:r>
-            <a:r>
-              <a:rPr lang="en-CA" dirty="0" err="1"/>
-              <a:t>i</a:t>
-            </a:r>
-            <a:r>
-              <a:rPr lang="en-CA" dirty="0"/>
-              <a:t> : </a:t>
-            </a:r>
-            <a:r>
-              <a:rPr lang="en-CA" i="1" dirty="0"/>
-              <a:t>L[</a:t>
-            </a:r>
-            <a:r>
-              <a:rPr lang="en-CA" i="1" dirty="0" err="1"/>
-              <a:t>i</a:t>
-            </a:r>
-            <a:r>
-              <a:rPr lang="en-CA" i="1" dirty="0"/>
-              <a:t>:]</a:t>
-            </a:r>
-          </a:p>
-          <a:p>
-            <a:pPr marL="742950" lvl="1" indent="-285750">
-              <a:buFont typeface="Arial" panose="020B0604020202020204" pitchFamily="34" charset="0"/>
-              <a:buChar char="•"/>
-            </a:pPr>
-            <a:r>
-              <a:rPr lang="en-CA" dirty="0"/>
-              <a:t>Everything before index position </a:t>
-            </a:r>
-            <a:r>
-              <a:rPr lang="en-CA" dirty="0" err="1"/>
-              <a:t>i</a:t>
-            </a:r>
-            <a:r>
-              <a:rPr lang="en-CA" dirty="0"/>
-              <a:t>: </a:t>
-            </a:r>
-            <a:r>
-              <a:rPr lang="en-CA" i="1" dirty="0"/>
-              <a:t>L[:</a:t>
-            </a:r>
-            <a:r>
-              <a:rPr lang="en-CA" i="1" dirty="0" err="1"/>
-              <a:t>i</a:t>
-            </a:r>
-            <a:r>
-              <a:rPr lang="en-CA" i="1" dirty="0"/>
-              <a:t>]</a:t>
-            </a:r>
-          </a:p>
-          <a:p>
-            <a:pPr marL="742950" lvl="1" indent="-285750">
-              <a:buFont typeface="Arial" panose="020B0604020202020204" pitchFamily="34" charset="0"/>
-              <a:buChar char="•"/>
-            </a:pPr>
-            <a:r>
-              <a:rPr lang="en-CA" dirty="0"/>
-              <a:t>Everything before the position j steps from the end: </a:t>
-            </a:r>
-            <a:r>
-              <a:rPr lang="en-CA" i="1" dirty="0"/>
-              <a:t>L[:-j]</a:t>
-            </a:r>
-          </a:p>
-          <a:p>
-            <a:pPr marL="742950" lvl="1" indent="-285750">
-              <a:buFont typeface="Arial" panose="020B0604020202020204" pitchFamily="34" charset="0"/>
-              <a:buChar char="•"/>
-            </a:pPr>
-            <a:r>
-              <a:rPr lang="en-CA" dirty="0"/>
-              <a:t>Everything after (and including) the position j steps from the end: </a:t>
-            </a:r>
-            <a:r>
-              <a:rPr lang="en-CA" i="1" dirty="0"/>
-              <a:t>L[-j:]</a:t>
-            </a:r>
-          </a:p>
-        </p:txBody>
-      </p:sp>
-      <p:sp>
-        <p:nvSpPr>
-          <p:cNvPr id="8" name="TextBox 7">
-            <a:extLst>
-              <a:ext uri="{FF2B5EF4-FFF2-40B4-BE49-F238E27FC236}">
-                <a16:creationId xmlns:a16="http://schemas.microsoft.com/office/drawing/2014/main" id="{296C838F-B9AD-9902-9C9B-A3F5121E5AF4}"/>
-              </a:ext>
-            </a:extLst>
-          </p:cNvPr>
-          <p:cNvSpPr txBox="1"/>
-          <p:nvPr/>
-        </p:nvSpPr>
-        <p:spPr>
-          <a:xfrm>
-            <a:off x="2653862" y="4468479"/>
-            <a:ext cx="5891049" cy="707886"/>
-          </a:xfrm>
-          <a:prstGeom prst="rect">
-            <a:avLst/>
-          </a:prstGeom>
-          <a:noFill/>
-        </p:spPr>
-        <p:txBody>
-          <a:bodyPr wrap="square" rtlCol="0">
-            <a:spAutoFit/>
-          </a:bodyPr>
-          <a:lstStyle/>
-          <a:p>
-            <a:r>
-              <a:rPr lang="en-CA" sz="4000" i="1" dirty="0"/>
-              <a:t>L = [1,2,3,4,5,6,7,8,9]</a:t>
-            </a:r>
-          </a:p>
-        </p:txBody>
-      </p:sp>
-      <p:sp>
-        <p:nvSpPr>
-          <p:cNvPr id="9" name="TextBox 8">
-            <a:extLst>
-              <a:ext uri="{FF2B5EF4-FFF2-40B4-BE49-F238E27FC236}">
-                <a16:creationId xmlns:a16="http://schemas.microsoft.com/office/drawing/2014/main" id="{50A67D51-2A1F-2D25-2121-3DDA04DC856B}"/>
-              </a:ext>
-            </a:extLst>
-          </p:cNvPr>
-          <p:cNvSpPr txBox="1"/>
-          <p:nvPr/>
-        </p:nvSpPr>
-        <p:spPr>
-          <a:xfrm>
-            <a:off x="588578" y="3265355"/>
-            <a:ext cx="10436773" cy="369332"/>
+            <a:off x="714702" y="2716924"/>
+            <a:ext cx="10436773" cy="1200329"/>
           </a:xfrm>
           <a:prstGeom prst="rect">
             <a:avLst/>
@@ -5072,56 +5099,47 @@
             </a:pPr>
             <a:r>
               <a:rPr lang="en-CA" dirty="0"/>
-              <a:t>Note</a:t>
-            </a:r>
-          </a:p>
-        </p:txBody>
-      </p:sp>
-      <p:cxnSp>
-        <p:nvCxnSpPr>
-          <p:cNvPr id="11" name="Straight Arrow Connector 10">
-            <a:extLst>
-              <a:ext uri="{FF2B5EF4-FFF2-40B4-BE49-F238E27FC236}">
-                <a16:creationId xmlns:a16="http://schemas.microsoft.com/office/drawing/2014/main" id="{F2FF2DFA-7982-E1ED-94EB-CD24DA1CBBFE}"/>
-              </a:ext>
-            </a:extLst>
-          </p:cNvPr>
-          <p:cNvCxnSpPr/>
-          <p:nvPr/>
-        </p:nvCxnSpPr>
-        <p:spPr>
-          <a:xfrm>
-            <a:off x="3731170" y="5071262"/>
-            <a:ext cx="0" cy="436159"/>
-          </a:xfrm>
-          <a:prstGeom prst="straightConnector1">
-            <a:avLst/>
-          </a:prstGeom>
-          <a:ln>
-            <a:tailEnd type="triangle"/>
-          </a:ln>
-        </p:spPr>
-        <p:style>
-          <a:lnRef idx="2">
-            <a:schemeClr val="accent1"/>
-          </a:lnRef>
-          <a:fillRef idx="0">
-            <a:schemeClr val="accent1"/>
-          </a:fillRef>
-          <a:effectRef idx="1">
-            <a:schemeClr val="accent1"/>
-          </a:effectRef>
-          <a:fontRef idx="minor">
-            <a:schemeClr val="tx1"/>
-          </a:fontRef>
-        </p:style>
-      </p:cxnSp>
-      <p:sp>
-        <p:nvSpPr>
-          <p:cNvPr id="16" name="TextBox 15">
-            <a:extLst>
-              <a:ext uri="{FF2B5EF4-FFF2-40B4-BE49-F238E27FC236}">
-                <a16:creationId xmlns:a16="http://schemas.microsoft.com/office/drawing/2014/main" id="{76478543-3F2D-D127-867F-B8304645CC55}"/>
+              <a:t>Lists are:</a:t>
+            </a:r>
+          </a:p>
+          <a:p>
+            <a:pPr marL="800100" lvl="1" indent="-342900">
+              <a:buFont typeface="+mj-lt"/>
+              <a:buAutoNum type="arabicPeriod"/>
+            </a:pPr>
+            <a:r>
+              <a:rPr lang="en-CA" dirty="0"/>
+              <a:t>Ordered </a:t>
+            </a:r>
+          </a:p>
+          <a:p>
+            <a:pPr marL="800100" lvl="1" indent="-342900">
+              <a:buFont typeface="+mj-lt"/>
+              <a:buAutoNum type="arabicPeriod"/>
+            </a:pPr>
+            <a:r>
+              <a:rPr lang="en-CA" dirty="0"/>
+              <a:t>Mutable </a:t>
+            </a:r>
+          </a:p>
+          <a:p>
+            <a:pPr marL="800100" lvl="1" indent="-342900">
+              <a:buFont typeface="+mj-lt"/>
+              <a:buAutoNum type="arabicPeriod"/>
+            </a:pPr>
+            <a:r>
+              <a:rPr lang="en-CA" dirty="0"/>
+              <a:t>Denoted by square brackets</a:t>
+            </a:r>
+          </a:p>
+        </p:txBody>
+      </p:sp>
+      <p:sp>
+        <p:nvSpPr>
+          <p:cNvPr id="9" name="TextBox 8">
+            <a:extLst>
+              <a:ext uri="{FF2B5EF4-FFF2-40B4-BE49-F238E27FC236}">
+                <a16:creationId xmlns:a16="http://schemas.microsoft.com/office/drawing/2014/main" id="{957C2805-0C64-B52F-9C9F-5882886C0568}"/>
               </a:ext>
             </a:extLst>
           </p:cNvPr>
@@ -5130,395 +5148,8 @@
         </p:nvSpPr>
         <p:spPr>
           <a:xfrm>
-            <a:off x="3363311" y="5460860"/>
-            <a:ext cx="735718" cy="307777"/>
-          </a:xfrm>
-          <a:prstGeom prst="rect">
-            <a:avLst/>
-          </a:prstGeom>
-          <a:noFill/>
-        </p:spPr>
-        <p:txBody>
-          <a:bodyPr wrap="square" rtlCol="0">
-            <a:spAutoFit/>
-          </a:bodyPr>
-          <a:lstStyle/>
-          <a:p>
-            <a:r>
-              <a:rPr lang="en-US" sz="1400" dirty="0"/>
-              <a:t>Index 0</a:t>
-            </a:r>
-          </a:p>
-        </p:txBody>
-      </p:sp>
-      <p:sp>
-        <p:nvSpPr>
-          <p:cNvPr id="17" name="TextBox 16">
-            <a:extLst>
-              <a:ext uri="{FF2B5EF4-FFF2-40B4-BE49-F238E27FC236}">
-                <a16:creationId xmlns:a16="http://schemas.microsoft.com/office/drawing/2014/main" id="{AED086C8-935F-D860-2F0A-1CC294AD0F0B}"/>
-              </a:ext>
-            </a:extLst>
-          </p:cNvPr>
-          <p:cNvSpPr txBox="1"/>
-          <p:nvPr/>
-        </p:nvSpPr>
-        <p:spPr>
-          <a:xfrm>
-            <a:off x="3810001" y="5745355"/>
-            <a:ext cx="735718" cy="307777"/>
-          </a:xfrm>
-          <a:prstGeom prst="rect">
-            <a:avLst/>
-          </a:prstGeom>
-          <a:noFill/>
-        </p:spPr>
-        <p:txBody>
-          <a:bodyPr wrap="square" rtlCol="0">
-            <a:spAutoFit/>
-          </a:bodyPr>
-          <a:lstStyle/>
-          <a:p>
-            <a:r>
-              <a:rPr lang="en-US" sz="1400" dirty="0"/>
-              <a:t>Index 1</a:t>
-            </a:r>
-          </a:p>
-        </p:txBody>
-      </p:sp>
-      <p:cxnSp>
-        <p:nvCxnSpPr>
-          <p:cNvPr id="18" name="Straight Arrow Connector 17">
-            <a:extLst>
-              <a:ext uri="{FF2B5EF4-FFF2-40B4-BE49-F238E27FC236}">
-                <a16:creationId xmlns:a16="http://schemas.microsoft.com/office/drawing/2014/main" id="{9D3C741D-A6B6-B59D-E913-864EA42A0201}"/>
-              </a:ext>
-            </a:extLst>
-          </p:cNvPr>
-          <p:cNvCxnSpPr>
-            <a:cxnSpLocks/>
-            <a:endCxn id="17" idx="0"/>
-          </p:cNvCxnSpPr>
-          <p:nvPr/>
-        </p:nvCxnSpPr>
-        <p:spPr>
-          <a:xfrm>
-            <a:off x="4177860" y="5071262"/>
-            <a:ext cx="0" cy="674093"/>
-          </a:xfrm>
-          <a:prstGeom prst="straightConnector1">
-            <a:avLst/>
-          </a:prstGeom>
-          <a:ln>
-            <a:tailEnd type="triangle"/>
-          </a:ln>
-        </p:spPr>
-        <p:style>
-          <a:lnRef idx="2">
-            <a:schemeClr val="accent1"/>
-          </a:lnRef>
-          <a:fillRef idx="0">
-            <a:schemeClr val="accent1"/>
-          </a:fillRef>
-          <a:effectRef idx="1">
-            <a:schemeClr val="accent1"/>
-          </a:effectRef>
-          <a:fontRef idx="minor">
-            <a:schemeClr val="tx1"/>
-          </a:fontRef>
-        </p:style>
-      </p:cxnSp>
-      <p:sp>
-        <p:nvSpPr>
-          <p:cNvPr id="20" name="TextBox 19">
-            <a:extLst>
-              <a:ext uri="{FF2B5EF4-FFF2-40B4-BE49-F238E27FC236}">
-                <a16:creationId xmlns:a16="http://schemas.microsoft.com/office/drawing/2014/main" id="{0EF839C8-B883-5AED-2373-216090F32B2F}"/>
-              </a:ext>
-            </a:extLst>
-          </p:cNvPr>
-          <p:cNvSpPr txBox="1"/>
-          <p:nvPr/>
-        </p:nvSpPr>
-        <p:spPr>
-          <a:xfrm>
-            <a:off x="1707928" y="5583971"/>
-            <a:ext cx="1576552" cy="369332"/>
-          </a:xfrm>
-          <a:prstGeom prst="rect">
-            <a:avLst/>
-          </a:prstGeom>
-          <a:noFill/>
-        </p:spPr>
-        <p:txBody>
-          <a:bodyPr wrap="square" rtlCol="0">
-            <a:spAutoFit/>
-          </a:bodyPr>
-          <a:lstStyle/>
-          <a:p>
-            <a:r>
-              <a:rPr lang="en-US" dirty="0"/>
-              <a:t>Positive Index</a:t>
-            </a:r>
-          </a:p>
-        </p:txBody>
-      </p:sp>
-      <p:cxnSp>
-        <p:nvCxnSpPr>
-          <p:cNvPr id="26" name="Straight Arrow Connector 25">
-            <a:extLst>
-              <a:ext uri="{FF2B5EF4-FFF2-40B4-BE49-F238E27FC236}">
-                <a16:creationId xmlns:a16="http://schemas.microsoft.com/office/drawing/2014/main" id="{01276603-438D-6AF2-D4A2-E75BE8903106}"/>
-              </a:ext>
-            </a:extLst>
-          </p:cNvPr>
-          <p:cNvCxnSpPr/>
-          <p:nvPr/>
-        </p:nvCxnSpPr>
-        <p:spPr>
-          <a:xfrm>
-            <a:off x="7047184" y="4162117"/>
-            <a:ext cx="0" cy="436159"/>
-          </a:xfrm>
-          <a:prstGeom prst="straightConnector1">
-            <a:avLst/>
-          </a:prstGeom>
-          <a:ln>
-            <a:solidFill>
-              <a:srgbClr val="FF0000"/>
-            </a:solidFill>
-            <a:tailEnd type="triangle"/>
-          </a:ln>
-        </p:spPr>
-        <p:style>
-          <a:lnRef idx="2">
-            <a:schemeClr val="accent1"/>
-          </a:lnRef>
-          <a:fillRef idx="0">
-            <a:schemeClr val="accent1"/>
-          </a:fillRef>
-          <a:effectRef idx="1">
-            <a:schemeClr val="accent1"/>
-          </a:effectRef>
-          <a:fontRef idx="minor">
-            <a:schemeClr val="tx1"/>
-          </a:fontRef>
-        </p:style>
-      </p:cxnSp>
-      <p:sp>
-        <p:nvSpPr>
-          <p:cNvPr id="27" name="TextBox 26">
-            <a:extLst>
-              <a:ext uri="{FF2B5EF4-FFF2-40B4-BE49-F238E27FC236}">
-                <a16:creationId xmlns:a16="http://schemas.microsoft.com/office/drawing/2014/main" id="{358618F7-BD8A-31DC-ECFB-4B9B2D56B58E}"/>
-              </a:ext>
-            </a:extLst>
-          </p:cNvPr>
-          <p:cNvSpPr txBox="1"/>
-          <p:nvPr/>
-        </p:nvSpPr>
-        <p:spPr>
-          <a:xfrm>
-            <a:off x="6679325" y="3877622"/>
-            <a:ext cx="888122" cy="307777"/>
-          </a:xfrm>
-          <a:prstGeom prst="rect">
-            <a:avLst/>
-          </a:prstGeom>
-          <a:noFill/>
-        </p:spPr>
-        <p:txBody>
-          <a:bodyPr wrap="square" rtlCol="0">
-            <a:spAutoFit/>
-          </a:bodyPr>
-          <a:lstStyle/>
-          <a:p>
-            <a:r>
-              <a:rPr lang="en-US" sz="1400" dirty="0"/>
-              <a:t>Index -1</a:t>
-            </a:r>
-          </a:p>
-        </p:txBody>
-      </p:sp>
-      <p:cxnSp>
-        <p:nvCxnSpPr>
-          <p:cNvPr id="28" name="Straight Arrow Connector 27">
-            <a:extLst>
-              <a:ext uri="{FF2B5EF4-FFF2-40B4-BE49-F238E27FC236}">
-                <a16:creationId xmlns:a16="http://schemas.microsoft.com/office/drawing/2014/main" id="{EA1A5E8F-5582-40D0-535F-2A375BE0F9C0}"/>
-              </a:ext>
-            </a:extLst>
-          </p:cNvPr>
-          <p:cNvCxnSpPr>
-            <a:cxnSpLocks/>
-          </p:cNvCxnSpPr>
-          <p:nvPr/>
-        </p:nvCxnSpPr>
-        <p:spPr>
-          <a:xfrm>
-            <a:off x="6600494" y="3762703"/>
-            <a:ext cx="0" cy="835573"/>
-          </a:xfrm>
-          <a:prstGeom prst="straightConnector1">
-            <a:avLst/>
-          </a:prstGeom>
-          <a:ln>
-            <a:solidFill>
-              <a:srgbClr val="FF0000"/>
-            </a:solidFill>
-            <a:tailEnd type="triangle"/>
-          </a:ln>
-        </p:spPr>
-        <p:style>
-          <a:lnRef idx="2">
-            <a:schemeClr val="accent1"/>
-          </a:lnRef>
-          <a:fillRef idx="0">
-            <a:schemeClr val="accent1"/>
-          </a:fillRef>
-          <a:effectRef idx="1">
-            <a:schemeClr val="accent1"/>
-          </a:effectRef>
-          <a:fontRef idx="minor">
-            <a:schemeClr val="tx1"/>
-          </a:fontRef>
-        </p:style>
-      </p:cxnSp>
-      <p:sp>
-        <p:nvSpPr>
-          <p:cNvPr id="30" name="TextBox 29">
-            <a:extLst>
-              <a:ext uri="{FF2B5EF4-FFF2-40B4-BE49-F238E27FC236}">
-                <a16:creationId xmlns:a16="http://schemas.microsoft.com/office/drawing/2014/main" id="{0D51B2DE-1702-1FC4-8CBA-ADEC8DF84CD6}"/>
-              </a:ext>
-            </a:extLst>
-          </p:cNvPr>
-          <p:cNvSpPr txBox="1"/>
-          <p:nvPr/>
-        </p:nvSpPr>
-        <p:spPr>
-          <a:xfrm>
-            <a:off x="6159062" y="3427597"/>
-            <a:ext cx="888122" cy="307777"/>
-          </a:xfrm>
-          <a:prstGeom prst="rect">
-            <a:avLst/>
-          </a:prstGeom>
-          <a:noFill/>
-        </p:spPr>
-        <p:txBody>
-          <a:bodyPr wrap="square" rtlCol="0">
-            <a:spAutoFit/>
-          </a:bodyPr>
-          <a:lstStyle/>
-          <a:p>
-            <a:r>
-              <a:rPr lang="en-US" sz="1400" dirty="0"/>
-              <a:t>Index -2</a:t>
-            </a:r>
-          </a:p>
-        </p:txBody>
-      </p:sp>
-      <p:sp>
-        <p:nvSpPr>
-          <p:cNvPr id="32" name="TextBox 31">
-            <a:extLst>
-              <a:ext uri="{FF2B5EF4-FFF2-40B4-BE49-F238E27FC236}">
-                <a16:creationId xmlns:a16="http://schemas.microsoft.com/office/drawing/2014/main" id="{DCA28145-D668-AC6D-8DBD-27FB35FAD193}"/>
-              </a:ext>
-            </a:extLst>
-          </p:cNvPr>
-          <p:cNvSpPr txBox="1"/>
-          <p:nvPr/>
-        </p:nvSpPr>
-        <p:spPr>
-          <a:xfrm>
-            <a:off x="7367749" y="3571489"/>
-            <a:ext cx="1797272" cy="369332"/>
-          </a:xfrm>
-          <a:prstGeom prst="rect">
-            <a:avLst/>
-          </a:prstGeom>
-          <a:noFill/>
-        </p:spPr>
-        <p:txBody>
-          <a:bodyPr wrap="square" rtlCol="0">
-            <a:spAutoFit/>
-          </a:bodyPr>
-          <a:lstStyle/>
-          <a:p>
-            <a:r>
-              <a:rPr lang="en-US" dirty="0"/>
-              <a:t>Negative Index</a:t>
-            </a:r>
-          </a:p>
-        </p:txBody>
-      </p:sp>
-      <p:sp>
-        <p:nvSpPr>
-          <p:cNvPr id="35" name="Rectangle 34">
-            <a:extLst>
-              <a:ext uri="{FF2B5EF4-FFF2-40B4-BE49-F238E27FC236}">
-                <a16:creationId xmlns:a16="http://schemas.microsoft.com/office/drawing/2014/main" id="{8F8EB651-D5EC-EEDE-58D9-1E6615ECFF30}"/>
-              </a:ext>
-            </a:extLst>
-          </p:cNvPr>
-          <p:cNvSpPr/>
-          <p:nvPr/>
-        </p:nvSpPr>
-        <p:spPr>
-          <a:xfrm>
-            <a:off x="8313683" y="945932"/>
-            <a:ext cx="2711667" cy="1477328"/>
-          </a:xfrm>
-          <a:prstGeom prst="rect">
-            <a:avLst/>
-          </a:prstGeom>
-          <a:ln>
-            <a:solidFill>
-              <a:schemeClr val="accent1"/>
-            </a:solidFill>
-          </a:ln>
-        </p:spPr>
-        <p:style>
-          <a:lnRef idx="2">
-            <a:schemeClr val="accent6"/>
-          </a:lnRef>
-          <a:fillRef idx="1">
-            <a:schemeClr val="lt1"/>
-          </a:fillRef>
-          <a:effectRef idx="0">
-            <a:schemeClr val="accent6"/>
-          </a:effectRef>
-          <a:fontRef idx="minor">
-            <a:schemeClr val="dk1"/>
-          </a:fontRef>
-        </p:style>
-        <p:txBody>
-          <a:bodyPr rtlCol="0" anchor="ctr"/>
-          <a:lstStyle/>
-          <a:p>
-            <a:pPr algn="ctr"/>
-            <a:endParaRPr lang="en-US" dirty="0"/>
-          </a:p>
-        </p:txBody>
-      </p:sp>
-      <p:sp>
-        <p:nvSpPr>
-          <p:cNvPr id="36" name="TextBox 35">
-            <a:extLst>
-              <a:ext uri="{FF2B5EF4-FFF2-40B4-BE49-F238E27FC236}">
-                <a16:creationId xmlns:a16="http://schemas.microsoft.com/office/drawing/2014/main" id="{9B49CB82-390B-7C64-0923-3CBE952FA005}"/>
-              </a:ext>
-            </a:extLst>
-          </p:cNvPr>
-          <p:cNvSpPr txBox="1"/>
-          <p:nvPr/>
-        </p:nvSpPr>
-        <p:spPr>
-          <a:xfrm>
-            <a:off x="8429296" y="945931"/>
-            <a:ext cx="2480439" cy="1477328"/>
+            <a:off x="714703" y="4306418"/>
+            <a:ext cx="3783726" cy="369332"/>
           </a:xfrm>
           <a:prstGeom prst="rect">
             <a:avLst/>
@@ -5536,56 +5167,123 @@
               <a:buChar char="•"/>
             </a:pPr>
             <a:r>
-              <a:rPr lang="en-US" i="1" dirty="0"/>
-              <a:t>L[0] = [1] </a:t>
-            </a:r>
-          </a:p>
+              <a:rPr lang="en-CA" dirty="0"/>
+              <a:t>You can check the length of a list </a:t>
+            </a:r>
+          </a:p>
+        </p:txBody>
+      </p:sp>
+      <p:pic>
+        <p:nvPicPr>
+          <p:cNvPr id="10" name="Picture 9">
+            <a:extLst>
+              <a:ext uri="{FF2B5EF4-FFF2-40B4-BE49-F238E27FC236}">
+                <a16:creationId xmlns:a16="http://schemas.microsoft.com/office/drawing/2014/main" id="{81025227-AF27-961E-753F-E6AE043B0537}"/>
+              </a:ext>
+            </a:extLst>
+          </p:cNvPr>
+          <p:cNvPicPr>
+            <a:picLocks noChangeAspect="1"/>
+          </p:cNvPicPr>
+          <p:nvPr/>
+        </p:nvPicPr>
+        <p:blipFill>
+          <a:blip r:embed="rId3"/>
+          <a:stretch>
+            <a:fillRect/>
+          </a:stretch>
+        </p:blipFill>
+        <p:spPr>
+          <a:xfrm>
+            <a:off x="1163144" y="5137330"/>
+            <a:ext cx="2844800" cy="635000"/>
+          </a:xfrm>
+          <a:prstGeom prst="rect">
+            <a:avLst/>
+          </a:prstGeom>
+        </p:spPr>
+      </p:pic>
+      <p:sp>
+        <p:nvSpPr>
+          <p:cNvPr id="11" name="TextBox 10">
+            <a:extLst>
+              <a:ext uri="{FF2B5EF4-FFF2-40B4-BE49-F238E27FC236}">
+                <a16:creationId xmlns:a16="http://schemas.microsoft.com/office/drawing/2014/main" id="{C9A9B971-8C0C-B94A-BB3D-BE54491B4472}"/>
+              </a:ext>
+            </a:extLst>
+          </p:cNvPr>
+          <p:cNvSpPr txBox="1"/>
+          <p:nvPr/>
+        </p:nvSpPr>
+        <p:spPr>
+          <a:xfrm>
+            <a:off x="5644273" y="4287829"/>
+            <a:ext cx="5507202" cy="646331"/>
+          </a:xfrm>
+          <a:prstGeom prst="rect">
+            <a:avLst/>
+          </a:prstGeom>
+          <a:noFill/>
+        </p:spPr>
+        <p:txBody>
+          <a:bodyPr wrap="square" rtlCol="0">
+            <a:spAutoFit/>
+          </a:bodyPr>
+          <a:lstStyle/>
           <a:p>
             <a:pPr marL="285750" indent="-285750">
               <a:buFont typeface="Arial" panose="020B0604020202020204" pitchFamily="34" charset="0"/>
               <a:buChar char="•"/>
             </a:pPr>
             <a:r>
-              <a:rPr lang="en-US" i="1" dirty="0"/>
-              <a:t>L[2:] = [3,4,5,6,7,8,9]</a:t>
-            </a:r>
-          </a:p>
-          <a:p>
-            <a:pPr marL="285750" indent="-285750">
-              <a:buFont typeface="Arial" panose="020B0604020202020204" pitchFamily="34" charset="0"/>
-              <a:buChar char="•"/>
-            </a:pPr>
-            <a:r>
-              <a:rPr lang="en-US" i="1" dirty="0"/>
-              <a:t>L[:4] = [1,2,3,4] </a:t>
-            </a:r>
-          </a:p>
-          <a:p>
-            <a:pPr marL="285750" indent="-285750">
-              <a:buFont typeface="Arial" panose="020B0604020202020204" pitchFamily="34" charset="0"/>
-              <a:buChar char="•"/>
-            </a:pPr>
-            <a:r>
-              <a:rPr lang="en-US" i="1" dirty="0"/>
-              <a:t>L[-2:] = [8,9]</a:t>
-            </a:r>
-          </a:p>
-          <a:p>
-            <a:pPr marL="285750" indent="-285750">
-              <a:buFont typeface="Arial" panose="020B0604020202020204" pitchFamily="34" charset="0"/>
-              <a:buChar char="•"/>
-            </a:pPr>
-            <a:r>
-              <a:rPr lang="en-US" i="1" dirty="0"/>
-              <a:t>L[:-6] = [1,2,3]</a:t>
-            </a:r>
-          </a:p>
-        </p:txBody>
-      </p:sp>
+              <a:rPr lang="en-CA" dirty="0"/>
+              <a:t>You can add more variables to your list by using the </a:t>
+            </a:r>
+            <a:r>
+              <a:rPr lang="en-CA" i="1" dirty="0"/>
+              <a:t>append</a:t>
+            </a:r>
+            <a:r>
+              <a:rPr lang="en-CA" dirty="0"/>
+              <a:t> command </a:t>
+            </a:r>
+          </a:p>
+        </p:txBody>
+      </p:sp>
+      <p:pic>
+        <p:nvPicPr>
+          <p:cNvPr id="12" name="Picture 11">
+            <a:extLst>
+              <a:ext uri="{FF2B5EF4-FFF2-40B4-BE49-F238E27FC236}">
+                <a16:creationId xmlns:a16="http://schemas.microsoft.com/office/drawing/2014/main" id="{B3229C61-46F4-3679-ED74-A31414FC5E53}"/>
+              </a:ext>
+            </a:extLst>
+          </p:cNvPr>
+          <p:cNvPicPr>
+            <a:picLocks noChangeAspect="1"/>
+          </p:cNvPicPr>
+          <p:nvPr/>
+        </p:nvPicPr>
+        <p:blipFill>
+          <a:blip r:embed="rId4"/>
+          <a:stretch>
+            <a:fillRect/>
+          </a:stretch>
+        </p:blipFill>
+        <p:spPr>
+          <a:xfrm>
+            <a:off x="6748955" y="5137330"/>
+            <a:ext cx="2667000" cy="825500"/>
+          </a:xfrm>
+          <a:prstGeom prst="rect">
+            <a:avLst/>
+          </a:prstGeom>
+        </p:spPr>
+      </p:pic>
     </p:spTree>
     <p:extLst>
       <p:ext uri="{BB962C8B-B14F-4D97-AF65-F5344CB8AC3E}">
-        <p14:creationId xmlns:p14="http://schemas.microsoft.com/office/powerpoint/2010/main" val="2868262617"/>
+        <p14:creationId xmlns:p14="http://schemas.microsoft.com/office/powerpoint/2010/main" val="1419235138"/>
       </p:ext>
     </p:extLst>
   </p:cSld>
@@ -5614,55 +5312,99 @@
       </p:grpSpPr>
       <p:sp>
         <p:nvSpPr>
-          <p:cNvPr id="4" name="Title 1">
-            <a:extLst>
-              <a:ext uri="{FF2B5EF4-FFF2-40B4-BE49-F238E27FC236}">
-                <a16:creationId xmlns:a16="http://schemas.microsoft.com/office/drawing/2014/main" id="{D89E4DA5-38CC-9B9A-3F09-B98CBCB3B6B9}"/>
-              </a:ext>
-            </a:extLst>
-          </p:cNvPr>
-          <p:cNvSpPr txBox="1">
-            <a:spLocks/>
-          </p:cNvSpPr>
+          <p:cNvPr id="34" name="Rectangle 33">
+            <a:extLst>
+              <a:ext uri="{FF2B5EF4-FFF2-40B4-BE49-F238E27FC236}">
+                <a16:creationId xmlns:a16="http://schemas.microsoft.com/office/drawing/2014/main" id="{AD9964B3-4406-7CB7-01AA-4B17646F9B24}"/>
+              </a:ext>
+            </a:extLst>
+          </p:cNvPr>
+          <p:cNvSpPr/>
           <p:nvPr/>
         </p:nvSpPr>
         <p:spPr>
           <a:xfrm>
-            <a:off x="557049" y="250003"/>
-            <a:ext cx="7010400" cy="622354"/>
+            <a:off x="7367749" y="3571487"/>
+            <a:ext cx="1639601" cy="369333"/>
           </a:xfrm>
           <a:prstGeom prst="rect">
             <a:avLst/>
           </a:prstGeom>
-        </p:spPr>
-        <p:txBody>
-          <a:bodyPr vert="horz" lIns="91440" tIns="45720" rIns="91440" bIns="45720" rtlCol="0" anchor="ctr">
-            <a:normAutofit/>
-          </a:bodyPr>
-          <a:lstStyle>
-            <a:lvl1pPr algn="l" defTabSz="914400" rtl="0" eaLnBrk="1" latinLnBrk="0" hangingPunct="1">
-              <a:lnSpc>
-                <a:spcPct val="90000"/>
-              </a:lnSpc>
-              <a:spcBef>
-                <a:spcPct val="0"/>
-              </a:spcBef>
-              <a:buNone/>
-              <a:defRPr sz="4400" kern="1200">
-                <a:solidFill>
-                  <a:schemeClr val="tx1"/>
-                </a:solidFill>
-                <a:latin typeface="+mj-lt"/>
-                <a:ea typeface="+mj-ea"/>
-                <a:cs typeface="+mj-cs"/>
-              </a:defRPr>
-            </a:lvl1pPr>
-          </a:lstStyle>
-          <a:p>
-            <a:r>
-              <a:rPr lang="en-US" sz="3200" dirty="0"/>
-              <a:t>Functions</a:t>
-            </a:r>
+          <a:ln>
+            <a:solidFill>
+              <a:srgbClr val="FF0000"/>
+            </a:solidFill>
+          </a:ln>
+        </p:spPr>
+        <p:style>
+          <a:lnRef idx="2">
+            <a:schemeClr val="accent6"/>
+          </a:lnRef>
+          <a:fillRef idx="1">
+            <a:schemeClr val="lt1"/>
+          </a:fillRef>
+          <a:effectRef idx="0">
+            <a:schemeClr val="accent6"/>
+          </a:effectRef>
+          <a:fontRef idx="minor">
+            <a:schemeClr val="dk1"/>
+          </a:fontRef>
+        </p:style>
+        <p:txBody>
+          <a:bodyPr rtlCol="0" anchor="ctr"/>
+          <a:lstStyle/>
+          <a:p>
+            <a:pPr algn="ctr"/>
+            <a:endParaRPr lang="en-US"/>
+          </a:p>
+        </p:txBody>
+      </p:sp>
+      <p:sp>
+        <p:nvSpPr>
+          <p:cNvPr id="33" name="Rectangle 32">
+            <a:extLst>
+              <a:ext uri="{FF2B5EF4-FFF2-40B4-BE49-F238E27FC236}">
+                <a16:creationId xmlns:a16="http://schemas.microsoft.com/office/drawing/2014/main" id="{B71FF795-D9AE-4F99-E3D0-462F9C9EF3C7}"/>
+              </a:ext>
+            </a:extLst>
+          </p:cNvPr>
+          <p:cNvSpPr/>
+          <p:nvPr/>
+        </p:nvSpPr>
+        <p:spPr>
+          <a:xfrm>
+            <a:off x="1707928" y="5583971"/>
+            <a:ext cx="1576552" cy="426186"/>
+          </a:xfrm>
+          <a:prstGeom prst="rect">
+            <a:avLst/>
+          </a:prstGeom>
+          <a:ln>
+            <a:solidFill>
+              <a:schemeClr val="accent1"/>
+            </a:solidFill>
+          </a:ln>
+        </p:spPr>
+        <p:style>
+          <a:lnRef idx="2">
+            <a:schemeClr val="accent6"/>
+          </a:lnRef>
+          <a:fillRef idx="1">
+            <a:schemeClr val="lt1"/>
+          </a:fillRef>
+          <a:effectRef idx="0">
+            <a:schemeClr val="accent6"/>
+          </a:effectRef>
+          <a:fontRef idx="minor">
+            <a:schemeClr val="dk1"/>
+          </a:fontRef>
+        </p:style>
+        <p:txBody>
+          <a:bodyPr rtlCol="0" anchor="ctr"/>
+          <a:lstStyle/>
+          <a:p>
+            <a:pPr algn="ctr"/>
+            <a:endParaRPr lang="en-US"/>
           </a:p>
         </p:txBody>
       </p:sp>
@@ -5671,7 +5413,7 @@
           <p:cNvPr id="6" name="TextBox 5">
             <a:extLst>
               <a:ext uri="{FF2B5EF4-FFF2-40B4-BE49-F238E27FC236}">
-                <a16:creationId xmlns:a16="http://schemas.microsoft.com/office/drawing/2014/main" id="{EC0A9C36-996D-47F4-4C8B-41D1ABCDD711}"/>
+                <a16:creationId xmlns:a16="http://schemas.microsoft.com/office/drawing/2014/main" id="{AF57B0F9-6E2F-DF07-1C9D-F0BD727DF50C}"/>
               </a:ext>
             </a:extLst>
           </p:cNvPr>
@@ -5680,8 +5422,8 @@
         </p:nvSpPr>
         <p:spPr>
           <a:xfrm>
-            <a:off x="557048" y="974862"/>
-            <a:ext cx="9858703" cy="369332"/>
+            <a:off x="588579" y="393403"/>
+            <a:ext cx="10436773" cy="369332"/>
           </a:xfrm>
           <a:prstGeom prst="rect">
             <a:avLst/>
@@ -5689,7 +5431,7 @@
           <a:noFill/>
         </p:spPr>
         <p:txBody>
-          <a:bodyPr wrap="square">
+          <a:bodyPr wrap="square" rtlCol="0">
             <a:spAutoFit/>
           </a:bodyPr>
           <a:lstStyle/>
@@ -5700,48 +5442,26 @@
             </a:pPr>
             <a:r>
               <a:rPr lang="en-CA" dirty="0"/>
-              <a:t>A function in Python works the same as a function in math: you define an input and an output.</a:t>
-            </a:r>
-            <a:endParaRPr lang="en-US" dirty="0"/>
-          </a:p>
-        </p:txBody>
-      </p:sp>
-      <p:pic>
-        <p:nvPicPr>
-          <p:cNvPr id="7" name="Picture 6">
-            <a:extLst>
-              <a:ext uri="{FF2B5EF4-FFF2-40B4-BE49-F238E27FC236}">
-                <a16:creationId xmlns:a16="http://schemas.microsoft.com/office/drawing/2014/main" id="{2F4E68A0-EFD7-F114-17A6-944731B12188}"/>
-              </a:ext>
-            </a:extLst>
-          </p:cNvPr>
-          <p:cNvPicPr>
-            <a:picLocks noChangeAspect="1"/>
-          </p:cNvPicPr>
-          <p:nvPr/>
-        </p:nvPicPr>
-        <p:blipFill>
-          <a:blip r:embed="rId2"/>
-          <a:stretch>
-            <a:fillRect/>
-          </a:stretch>
-        </p:blipFill>
-        <p:spPr>
-          <a:xfrm>
-            <a:off x="4542878" y="1446699"/>
-            <a:ext cx="2720454" cy="749963"/>
-          </a:xfrm>
-          <a:prstGeom prst="rect">
-            <a:avLst/>
-          </a:prstGeom>
-        </p:spPr>
-      </p:pic>
-      <p:sp>
-        <p:nvSpPr>
-          <p:cNvPr id="9" name="TextBox 8">
-            <a:extLst>
-              <a:ext uri="{FF2B5EF4-FFF2-40B4-BE49-F238E27FC236}">
-                <a16:creationId xmlns:a16="http://schemas.microsoft.com/office/drawing/2014/main" id="{A77F3F1A-A98E-F195-C505-B2931CD6FF2F}"/>
+              <a:t>Given a list </a:t>
+            </a:r>
+            <a:r>
+              <a:rPr lang="en-CA" i="1" dirty="0"/>
+              <a:t>L = [1,2,3,4,5,6,7,8,9]  </a:t>
+            </a:r>
+            <a:r>
+              <a:rPr lang="en-CA" dirty="0"/>
+              <a:t>. We can access a specific position of the list using slicing. </a:t>
+            </a:r>
+            <a:endParaRPr lang="en-CA" i="1" dirty="0"/>
+          </a:p>
+        </p:txBody>
+      </p:sp>
+      <p:sp>
+        <p:nvSpPr>
+          <p:cNvPr id="7" name="TextBox 6">
+            <a:extLst>
+              <a:ext uri="{FF2B5EF4-FFF2-40B4-BE49-F238E27FC236}">
+                <a16:creationId xmlns:a16="http://schemas.microsoft.com/office/drawing/2014/main" id="{E54FE65C-FFA0-B866-14D6-9FEF214AD1BE}"/>
               </a:ext>
             </a:extLst>
           </p:cNvPr>
@@ -5750,8 +5470,8 @@
         </p:nvSpPr>
         <p:spPr>
           <a:xfrm>
-            <a:off x="1167332" y="2448175"/>
-            <a:ext cx="7240944" cy="646331"/>
+            <a:off x="588578" y="1039789"/>
+            <a:ext cx="10436773" cy="1477328"/>
           </a:xfrm>
           <a:prstGeom prst="rect">
             <a:avLst/>
@@ -5759,7 +5479,173 @@
           <a:noFill/>
         </p:spPr>
         <p:txBody>
-          <a:bodyPr wrap="square">
+          <a:bodyPr wrap="square" rtlCol="0">
+            <a:spAutoFit/>
+          </a:bodyPr>
+          <a:lstStyle/>
+          <a:p>
+            <a:pPr marL="742950" lvl="1" indent="-285750">
+              <a:buFont typeface="Arial" panose="020B0604020202020204" pitchFamily="34" charset="0"/>
+              <a:buChar char="•"/>
+            </a:pPr>
+            <a:r>
+              <a:rPr lang="en-CA" dirty="0"/>
+              <a:t>The whole list:  </a:t>
+            </a:r>
+            <a:r>
+              <a:rPr lang="en-CA" i="1" dirty="0"/>
+              <a:t>L[:]</a:t>
+            </a:r>
+          </a:p>
+          <a:p>
+            <a:pPr marL="742950" lvl="1" indent="-285750">
+              <a:buFont typeface="Arial" panose="020B0604020202020204" pitchFamily="34" charset="0"/>
+              <a:buChar char="•"/>
+            </a:pPr>
+            <a:r>
+              <a:rPr lang="en-CA" dirty="0"/>
+              <a:t>Everything after (and including) index position </a:t>
+            </a:r>
+            <a:r>
+              <a:rPr lang="en-CA" dirty="0" err="1"/>
+              <a:t>i</a:t>
+            </a:r>
+            <a:r>
+              <a:rPr lang="en-CA" dirty="0"/>
+              <a:t> : </a:t>
+            </a:r>
+            <a:r>
+              <a:rPr lang="en-CA" i="1" dirty="0"/>
+              <a:t>L[</a:t>
+            </a:r>
+            <a:r>
+              <a:rPr lang="en-CA" i="1" dirty="0" err="1"/>
+              <a:t>i</a:t>
+            </a:r>
+            <a:r>
+              <a:rPr lang="en-CA" i="1" dirty="0"/>
+              <a:t>:]</a:t>
+            </a:r>
+          </a:p>
+          <a:p>
+            <a:pPr marL="742950" lvl="1" indent="-285750">
+              <a:buFont typeface="Arial" panose="020B0604020202020204" pitchFamily="34" charset="0"/>
+              <a:buChar char="•"/>
+            </a:pPr>
+            <a:r>
+              <a:rPr lang="en-CA" dirty="0"/>
+              <a:t>Everything before index position </a:t>
+            </a:r>
+            <a:r>
+              <a:rPr lang="en-CA" dirty="0" err="1"/>
+              <a:t>i</a:t>
+            </a:r>
+            <a:r>
+              <a:rPr lang="en-CA" dirty="0"/>
+              <a:t>: </a:t>
+            </a:r>
+            <a:r>
+              <a:rPr lang="en-CA" i="1" dirty="0"/>
+              <a:t>L[:</a:t>
+            </a:r>
+            <a:r>
+              <a:rPr lang="en-CA" i="1" dirty="0" err="1"/>
+              <a:t>i</a:t>
+            </a:r>
+            <a:r>
+              <a:rPr lang="en-CA" i="1" dirty="0"/>
+              <a:t>]</a:t>
+            </a:r>
+          </a:p>
+          <a:p>
+            <a:pPr marL="742950" lvl="1" indent="-285750">
+              <a:buFont typeface="Arial" panose="020B0604020202020204" pitchFamily="34" charset="0"/>
+              <a:buChar char="•"/>
+            </a:pPr>
+            <a:r>
+              <a:rPr lang="en-CA" dirty="0"/>
+              <a:t>Everything before the position j steps from the end: </a:t>
+            </a:r>
+            <a:r>
+              <a:rPr lang="en-CA" i="1" dirty="0"/>
+              <a:t>L[:-j]</a:t>
+            </a:r>
+          </a:p>
+          <a:p>
+            <a:pPr marL="742950" lvl="1" indent="-285750">
+              <a:buFont typeface="Arial" panose="020B0604020202020204" pitchFamily="34" charset="0"/>
+              <a:buChar char="•"/>
+            </a:pPr>
+            <a:r>
+              <a:rPr lang="en-CA" dirty="0"/>
+              <a:t>Everything after (and including) the position j steps from the end: </a:t>
+            </a:r>
+            <a:r>
+              <a:rPr lang="en-CA" i="1" dirty="0"/>
+              <a:t>L[-j:]</a:t>
+            </a:r>
+          </a:p>
+        </p:txBody>
+      </p:sp>
+      <p:sp>
+        <p:nvSpPr>
+          <p:cNvPr id="8" name="TextBox 7">
+            <a:extLst>
+              <a:ext uri="{FF2B5EF4-FFF2-40B4-BE49-F238E27FC236}">
+                <a16:creationId xmlns:a16="http://schemas.microsoft.com/office/drawing/2014/main" id="{296C838F-B9AD-9902-9C9B-A3F5121E5AF4}"/>
+              </a:ext>
+            </a:extLst>
+          </p:cNvPr>
+          <p:cNvSpPr txBox="1"/>
+          <p:nvPr/>
+        </p:nvSpPr>
+        <p:spPr>
+          <a:xfrm>
+            <a:off x="2653862" y="4468479"/>
+            <a:ext cx="5891049" cy="707886"/>
+          </a:xfrm>
+          <a:prstGeom prst="rect">
+            <a:avLst/>
+          </a:prstGeom>
+          <a:noFill/>
+        </p:spPr>
+        <p:txBody>
+          <a:bodyPr wrap="square" rtlCol="0">
+            <a:spAutoFit/>
+          </a:bodyPr>
+          <a:lstStyle/>
+          <a:p>
+            <a:r>
+              <a:rPr lang="en-CA" sz="4000" i="1" dirty="0"/>
+              <a:t>L = [1,2,3,4,5,6,7,8,9]</a:t>
+            </a:r>
+          </a:p>
+        </p:txBody>
+      </p:sp>
+      <p:sp>
+        <p:nvSpPr>
+          <p:cNvPr id="9" name="TextBox 8">
+            <a:extLst>
+              <a:ext uri="{FF2B5EF4-FFF2-40B4-BE49-F238E27FC236}">
+                <a16:creationId xmlns:a16="http://schemas.microsoft.com/office/drawing/2014/main" id="{50A67D51-2A1F-2D25-2121-3DDA04DC856B}"/>
+              </a:ext>
+            </a:extLst>
+          </p:cNvPr>
+          <p:cNvSpPr txBox="1"/>
+          <p:nvPr/>
+        </p:nvSpPr>
+        <p:spPr>
+          <a:xfrm>
+            <a:off x="588578" y="3265355"/>
+            <a:ext cx="10436773" cy="369332"/>
+          </a:xfrm>
+          <a:prstGeom prst="rect">
+            <a:avLst/>
+          </a:prstGeom>
+          <a:noFill/>
+        </p:spPr>
+        <p:txBody>
+          <a:bodyPr wrap="square" rtlCol="0">
             <a:spAutoFit/>
           </a:bodyPr>
           <a:lstStyle/>
@@ -5770,28 +5656,17 @@
             </a:pPr>
             <a:r>
               <a:rPr lang="en-CA" dirty="0"/>
-              <a:t>Functions in Python are defined by the def keyword. </a:t>
-            </a:r>
-          </a:p>
-          <a:p>
-            <a:pPr marL="285750" indent="-285750">
-              <a:buFont typeface="Arial" panose="020B0604020202020204" pitchFamily="34" charset="0"/>
-              <a:buChar char="•"/>
-            </a:pPr>
-            <a:r>
-              <a:rPr lang="en-CA" dirty="0"/>
-              <a:t>And you put the list of outputs inside a parenthesis followed by  : </a:t>
-            </a:r>
-            <a:endParaRPr lang="en-US" dirty="0"/>
+              <a:t>Note</a:t>
+            </a:r>
           </a:p>
         </p:txBody>
       </p:sp>
       <p:cxnSp>
         <p:nvCxnSpPr>
-          <p:cNvPr id="13" name="Straight Arrow Connector 12">
-            <a:extLst>
-              <a:ext uri="{FF2B5EF4-FFF2-40B4-BE49-F238E27FC236}">
-                <a16:creationId xmlns:a16="http://schemas.microsoft.com/office/drawing/2014/main" id="{79E0B717-D0BE-6256-0632-CAC6D044A4BE}"/>
+          <p:cNvPr id="11" name="Straight Arrow Connector 10">
+            <a:extLst>
+              <a:ext uri="{FF2B5EF4-FFF2-40B4-BE49-F238E27FC236}">
+                <a16:creationId xmlns:a16="http://schemas.microsoft.com/office/drawing/2014/main" id="{F2FF2DFA-7982-E1ED-94EB-CD24DA1CBBFE}"/>
               </a:ext>
             </a:extLst>
           </p:cNvPr>
@@ -5799,9 +5674,9 @@
           <p:nvPr/>
         </p:nvCxnSpPr>
         <p:spPr>
-          <a:xfrm flipH="1">
-            <a:off x="3878317" y="1912883"/>
-            <a:ext cx="1156138" cy="0"/>
+          <a:xfrm>
+            <a:off x="3731170" y="5071262"/>
+            <a:ext cx="0" cy="436159"/>
           </a:xfrm>
           <a:prstGeom prst="straightConnector1">
             <a:avLst/>
@@ -5827,10 +5702,10 @@
       </p:cxnSp>
       <p:sp>
         <p:nvSpPr>
-          <p:cNvPr id="14" name="TextBox 13">
-            <a:extLst>
-              <a:ext uri="{FF2B5EF4-FFF2-40B4-BE49-F238E27FC236}">
-                <a16:creationId xmlns:a16="http://schemas.microsoft.com/office/drawing/2014/main" id="{E92057B5-99C3-0875-F6B4-14F9BC7F64E9}"/>
+          <p:cNvPr id="16" name="TextBox 15">
+            <a:extLst>
+              <a:ext uri="{FF2B5EF4-FFF2-40B4-BE49-F238E27FC236}">
+                <a16:creationId xmlns:a16="http://schemas.microsoft.com/office/drawing/2014/main" id="{76478543-3F2D-D127-867F-B8304645CC55}"/>
               </a:ext>
             </a:extLst>
           </p:cNvPr>
@@ -5839,8 +5714,8 @@
         </p:nvSpPr>
         <p:spPr>
           <a:xfrm>
-            <a:off x="2970376" y="1728217"/>
-            <a:ext cx="1429407" cy="369332"/>
+            <a:off x="3363311" y="5460860"/>
+            <a:ext cx="735718" cy="307777"/>
           </a:xfrm>
           <a:prstGeom prst="rect">
             <a:avLst/>
@@ -5854,62 +5729,9 @@
           <a:lstStyle/>
           <a:p>
             <a:r>
-              <a:rPr lang="en-US" dirty="0"/>
-              <a:t>Output</a:t>
-            </a:r>
-          </a:p>
-        </p:txBody>
-      </p:sp>
-      <p:sp>
-        <p:nvSpPr>
-          <p:cNvPr id="15" name="Arc 14">
-            <a:extLst>
-              <a:ext uri="{FF2B5EF4-FFF2-40B4-BE49-F238E27FC236}">
-                <a16:creationId xmlns:a16="http://schemas.microsoft.com/office/drawing/2014/main" id="{A2D23AD0-81DC-F0E7-F2DC-4B0C8E64AECF}"/>
-              </a:ext>
-            </a:extLst>
-          </p:cNvPr>
-          <p:cNvSpPr/>
-          <p:nvPr/>
-        </p:nvSpPr>
-        <p:spPr>
-          <a:xfrm>
-            <a:off x="3878318" y="1629103"/>
-            <a:ext cx="3913902" cy="2291238"/>
-          </a:xfrm>
-          <a:prstGeom prst="arc">
-            <a:avLst/>
-          </a:prstGeom>
-          <a:ln w="57150" cap="flat" cmpd="sng" algn="ctr">
-            <a:solidFill>
-              <a:schemeClr val="accent2"/>
-            </a:solidFill>
-            <a:prstDash val="solid"/>
-            <a:round/>
-            <a:headEnd type="none" w="med" len="med"/>
-            <a:tailEnd type="arrow" w="med" len="med"/>
-          </a:ln>
-        </p:spPr>
-        <p:style>
-          <a:lnRef idx="0">
-            <a:scrgbClr r="0" g="0" b="0"/>
-          </a:lnRef>
-          <a:fillRef idx="0">
-            <a:scrgbClr r="0" g="0" b="0"/>
-          </a:fillRef>
-          <a:effectRef idx="0">
-            <a:scrgbClr r="0" g="0" b="0"/>
-          </a:effectRef>
-          <a:fontRef idx="minor">
-            <a:schemeClr val="tx1"/>
-          </a:fontRef>
-        </p:style>
-        <p:txBody>
-          <a:bodyPr rtlCol="0" anchor="ctr"/>
-          <a:lstStyle/>
-          <a:p>
-            <a:pPr algn="ctr"/>
-            <a:endParaRPr lang="en-US"/>
+              <a:rPr lang="en-US" sz="1400" dirty="0"/>
+              <a:t>Index 0</a:t>
+            </a:r>
           </a:p>
         </p:txBody>
       </p:sp>
@@ -5918,7 +5740,7 @@
           <p:cNvPr id="17" name="TextBox 16">
             <a:extLst>
               <a:ext uri="{FF2B5EF4-FFF2-40B4-BE49-F238E27FC236}">
-                <a16:creationId xmlns:a16="http://schemas.microsoft.com/office/drawing/2014/main" id="{84382D37-D625-98FA-CD12-8AB2E73DDD7E}"/>
+                <a16:creationId xmlns:a16="http://schemas.microsoft.com/office/drawing/2014/main" id="{AED086C8-935F-D860-2F0A-1CC294AD0F0B}"/>
               </a:ext>
             </a:extLst>
           </p:cNvPr>
@@ -5927,8 +5749,8 @@
         </p:nvSpPr>
         <p:spPr>
           <a:xfrm>
-            <a:off x="605547" y="3597193"/>
-            <a:ext cx="9810203" cy="369332"/>
+            <a:off x="3810001" y="5745355"/>
+            <a:ext cx="735718" cy="307777"/>
           </a:xfrm>
           <a:prstGeom prst="rect">
             <a:avLst/>
@@ -5936,109 +5758,42 @@
           <a:noFill/>
         </p:spPr>
         <p:txBody>
-          <a:bodyPr wrap="square">
+          <a:bodyPr wrap="square" rtlCol="0">
             <a:spAutoFit/>
           </a:bodyPr>
           <a:lstStyle/>
           <a:p>
-            <a:pPr marL="285750" indent="-285750">
-              <a:buFont typeface="Arial" panose="020B0604020202020204" pitchFamily="34" charset="0"/>
-              <a:buChar char="•"/>
-            </a:pPr>
-            <a:r>
-              <a:rPr lang="en-CA" dirty="0"/>
-              <a:t>This defines the function                                        and to evaluate the function in each input you do,</a:t>
-            </a:r>
-            <a:endParaRPr lang="en-US" dirty="0"/>
-          </a:p>
-        </p:txBody>
-      </p:sp>
-      <p:pic>
-        <p:nvPicPr>
-          <p:cNvPr id="18" name="Picture 17">
-            <a:extLst>
-              <a:ext uri="{FF2B5EF4-FFF2-40B4-BE49-F238E27FC236}">
-                <a16:creationId xmlns:a16="http://schemas.microsoft.com/office/drawing/2014/main" id="{7042D147-B343-D106-A735-19C510CFF72E}"/>
-              </a:ext>
-            </a:extLst>
-          </p:cNvPr>
-          <p:cNvPicPr>
-            <a:picLocks noChangeAspect="1"/>
-          </p:cNvPicPr>
-          <p:nvPr/>
-        </p:nvPicPr>
-        <p:blipFill>
-          <a:blip r:embed="rId3"/>
-          <a:stretch>
-            <a:fillRect/>
-          </a:stretch>
-        </p:blipFill>
-        <p:spPr>
-          <a:xfrm>
-            <a:off x="3447392" y="3597193"/>
-            <a:ext cx="1681655" cy="323165"/>
-          </a:xfrm>
-          <a:prstGeom prst="rect">
-            <a:avLst/>
-          </a:prstGeom>
-        </p:spPr>
-      </p:pic>
-      <p:pic>
-        <p:nvPicPr>
-          <p:cNvPr id="20" name="Picture 19">
-            <a:extLst>
-              <a:ext uri="{FF2B5EF4-FFF2-40B4-BE49-F238E27FC236}">
-                <a16:creationId xmlns:a16="http://schemas.microsoft.com/office/drawing/2014/main" id="{6C314F07-B475-D31F-FB94-819107944637}"/>
-              </a:ext>
-            </a:extLst>
-          </p:cNvPr>
-          <p:cNvPicPr>
-            <a:picLocks noChangeAspect="1"/>
-          </p:cNvPicPr>
-          <p:nvPr/>
-        </p:nvPicPr>
-        <p:blipFill>
-          <a:blip r:embed="rId4"/>
-          <a:stretch>
-            <a:fillRect/>
-          </a:stretch>
-        </p:blipFill>
-        <p:spPr>
-          <a:xfrm>
-            <a:off x="2342337" y="4663746"/>
-            <a:ext cx="1256077" cy="1011840"/>
-          </a:xfrm>
-          <a:prstGeom prst="rect">
-            <a:avLst/>
-          </a:prstGeom>
-        </p:spPr>
-      </p:pic>
+            <a:r>
+              <a:rPr lang="en-US" sz="1400" dirty="0"/>
+              <a:t>Index 1</a:t>
+            </a:r>
+          </a:p>
+        </p:txBody>
+      </p:sp>
       <p:cxnSp>
         <p:nvCxnSpPr>
-          <p:cNvPr id="22" name="Straight Arrow Connector 21">
-            <a:extLst>
-              <a:ext uri="{FF2B5EF4-FFF2-40B4-BE49-F238E27FC236}">
-                <a16:creationId xmlns:a16="http://schemas.microsoft.com/office/drawing/2014/main" id="{81372E17-2B3C-64F7-464B-853F9869E57F}"/>
+          <p:cNvPr id="18" name="Straight Arrow Connector 17">
+            <a:extLst>
+              <a:ext uri="{FF2B5EF4-FFF2-40B4-BE49-F238E27FC236}">
+                <a16:creationId xmlns:a16="http://schemas.microsoft.com/office/drawing/2014/main" id="{9D3C741D-A6B6-B59D-E913-864EA42A0201}"/>
               </a:ext>
             </a:extLst>
           </p:cNvPr>
           <p:cNvCxnSpPr>
             <a:cxnSpLocks/>
+            <a:endCxn id="17" idx="0"/>
           </p:cNvCxnSpPr>
           <p:nvPr/>
         </p:nvCxnSpPr>
         <p:spPr>
-          <a:xfrm flipH="1">
-            <a:off x="1618593" y="5169666"/>
-            <a:ext cx="851338" cy="0"/>
+          <a:xfrm>
+            <a:off x="4177860" y="5071262"/>
+            <a:ext cx="0" cy="674093"/>
           </a:xfrm>
           <a:prstGeom prst="straightConnector1">
             <a:avLst/>
           </a:prstGeom>
-          <a:ln w="38100">
-            <a:solidFill>
-              <a:schemeClr val="accent3"/>
-            </a:solidFill>
+          <a:ln>
             <a:tailEnd type="triangle"/>
           </a:ln>
         </p:spPr>
@@ -6059,10 +5814,10 @@
       </p:cxnSp>
       <p:sp>
         <p:nvSpPr>
-          <p:cNvPr id="24" name="TextBox 23">
-            <a:extLst>
-              <a:ext uri="{FF2B5EF4-FFF2-40B4-BE49-F238E27FC236}">
-                <a16:creationId xmlns:a16="http://schemas.microsoft.com/office/drawing/2014/main" id="{6298A32A-DFB1-5AF2-7E17-7EEA0458C37E}"/>
+          <p:cNvPr id="20" name="TextBox 19">
+            <a:extLst>
+              <a:ext uri="{FF2B5EF4-FFF2-40B4-BE49-F238E27FC236}">
+                <a16:creationId xmlns:a16="http://schemas.microsoft.com/office/drawing/2014/main" id="{0EF839C8-B883-5AED-2373-216090F32B2F}"/>
               </a:ext>
             </a:extLst>
           </p:cNvPr>
@@ -6071,8 +5826,8 @@
         </p:nvSpPr>
         <p:spPr>
           <a:xfrm>
-            <a:off x="651550" y="4569501"/>
-            <a:ext cx="1124607" cy="1200329"/>
+            <a:off x="1707928" y="5583971"/>
+            <a:ext cx="1576552" cy="369332"/>
           </a:xfrm>
           <a:prstGeom prst="rect">
             <a:avLst/>
@@ -6087,152 +5842,35 @@
           <a:p>
             <a:r>
               <a:rPr lang="en-US" dirty="0"/>
-              <a:t>Call the function by its name</a:t>
-            </a:r>
-          </a:p>
-        </p:txBody>
-      </p:sp>
-      <p:sp>
-        <p:nvSpPr>
-          <p:cNvPr id="25" name="Bent-Up Arrow 24">
-            <a:extLst>
-              <a:ext uri="{FF2B5EF4-FFF2-40B4-BE49-F238E27FC236}">
-                <a16:creationId xmlns:a16="http://schemas.microsoft.com/office/drawing/2014/main" id="{792C2ADD-D5A8-CBE7-0E1D-8DF2522611D0}"/>
-              </a:ext>
-            </a:extLst>
-          </p:cNvPr>
-          <p:cNvSpPr/>
-          <p:nvPr/>
-        </p:nvSpPr>
-        <p:spPr>
-          <a:xfrm rot="5400000">
-            <a:off x="3174124" y="5411229"/>
-            <a:ext cx="546535" cy="717201"/>
-          </a:xfrm>
-          <a:prstGeom prst="bentUpArrow">
-            <a:avLst>
-              <a:gd name="adj1" fmla="val 25000"/>
-              <a:gd name="adj2" fmla="val 24038"/>
-              <a:gd name="adj3" fmla="val 25000"/>
-            </a:avLst>
-          </a:prstGeom>
-          <a:solidFill>
-            <a:srgbClr val="FFC000"/>
-          </a:solidFill>
-        </p:spPr>
-        <p:style>
-          <a:lnRef idx="2">
-            <a:schemeClr val="accent1">
-              <a:shade val="15000"/>
-            </a:schemeClr>
-          </a:lnRef>
-          <a:fillRef idx="1">
-            <a:schemeClr val="accent1"/>
-          </a:fillRef>
-          <a:effectRef idx="0">
-            <a:schemeClr val="accent1"/>
-          </a:effectRef>
-          <a:fontRef idx="minor">
-            <a:schemeClr val="lt1"/>
-          </a:fontRef>
-        </p:style>
-        <p:txBody>
-          <a:bodyPr rtlCol="0" anchor="ctr"/>
-          <a:lstStyle/>
-          <a:p>
-            <a:pPr algn="ctr"/>
-            <a:endParaRPr lang="en-US"/>
-          </a:p>
-        </p:txBody>
-      </p:sp>
-      <p:sp>
-        <p:nvSpPr>
-          <p:cNvPr id="26" name="TextBox 25">
-            <a:extLst>
-              <a:ext uri="{FF2B5EF4-FFF2-40B4-BE49-F238E27FC236}">
-                <a16:creationId xmlns:a16="http://schemas.microsoft.com/office/drawing/2014/main" id="{E634EB64-B3AD-7721-7FD2-A89AAF1D7B06}"/>
-              </a:ext>
-            </a:extLst>
-          </p:cNvPr>
-          <p:cNvSpPr txBox="1"/>
-          <p:nvPr/>
-        </p:nvSpPr>
-        <p:spPr>
-          <a:xfrm>
-            <a:off x="3878317" y="5517582"/>
-            <a:ext cx="3689132" cy="923330"/>
-          </a:xfrm>
-          <a:prstGeom prst="rect">
-            <a:avLst/>
-          </a:prstGeom>
-          <a:noFill/>
-        </p:spPr>
-        <p:txBody>
-          <a:bodyPr wrap="square" rtlCol="0">
-            <a:spAutoFit/>
-          </a:bodyPr>
-          <a:lstStyle/>
-          <a:p>
-            <a:r>
-              <a:rPr lang="en-US" dirty="0"/>
-              <a:t>Put the input inside the parenthesis. This is the value that you want to evaluate. </a:t>
-            </a:r>
-          </a:p>
-        </p:txBody>
-      </p:sp>
-      <p:pic>
-        <p:nvPicPr>
-          <p:cNvPr id="27" name="Picture 26">
-            <a:extLst>
-              <a:ext uri="{FF2B5EF4-FFF2-40B4-BE49-F238E27FC236}">
-                <a16:creationId xmlns:a16="http://schemas.microsoft.com/office/drawing/2014/main" id="{F216A0F1-4320-DABE-54C5-DDB4FFB95BE8}"/>
-              </a:ext>
-            </a:extLst>
-          </p:cNvPr>
-          <p:cNvPicPr>
-            <a:picLocks noChangeAspect="1"/>
-          </p:cNvPicPr>
-          <p:nvPr/>
-        </p:nvPicPr>
-        <p:blipFill>
-          <a:blip r:embed="rId5"/>
-          <a:stretch>
-            <a:fillRect/>
-          </a:stretch>
-        </p:blipFill>
-        <p:spPr>
-          <a:xfrm>
-            <a:off x="7222730" y="4750871"/>
-            <a:ext cx="2371091" cy="654094"/>
-          </a:xfrm>
-          <a:prstGeom prst="rect">
-            <a:avLst/>
-          </a:prstGeom>
-        </p:spPr>
-      </p:pic>
+              <a:t>Positive Index</a:t>
+            </a:r>
+          </a:p>
+        </p:txBody>
+      </p:sp>
       <p:cxnSp>
         <p:nvCxnSpPr>
-          <p:cNvPr id="29" name="Straight Arrow Connector 28">
-            <a:extLst>
-              <a:ext uri="{FF2B5EF4-FFF2-40B4-BE49-F238E27FC236}">
-                <a16:creationId xmlns:a16="http://schemas.microsoft.com/office/drawing/2014/main" id="{5A93CCFC-E0B9-74FE-CD96-A25436CA2F6B}"/>
-              </a:ext>
-            </a:extLst>
-          </p:cNvPr>
-          <p:cNvCxnSpPr>
-            <a:cxnSpLocks/>
-          </p:cNvCxnSpPr>
+          <p:cNvPr id="26" name="Straight Arrow Connector 25">
+            <a:extLst>
+              <a:ext uri="{FF2B5EF4-FFF2-40B4-BE49-F238E27FC236}">
+                <a16:creationId xmlns:a16="http://schemas.microsoft.com/office/drawing/2014/main" id="{01276603-438D-6AF2-D4A2-E75BE8903106}"/>
+              </a:ext>
+            </a:extLst>
+          </p:cNvPr>
+          <p:cNvCxnSpPr/>
           <p:nvPr/>
         </p:nvCxnSpPr>
         <p:spPr>
-          <a:xfrm flipV="1">
-            <a:off x="7978413" y="4431363"/>
-            <a:ext cx="1218139" cy="402882"/>
+          <a:xfrm>
+            <a:off x="7047184" y="4162117"/>
+            <a:ext cx="0" cy="436159"/>
           </a:xfrm>
           <a:prstGeom prst="straightConnector1">
             <a:avLst/>
           </a:prstGeom>
-          <a:ln w="38100">
+          <a:ln>
+            <a:solidFill>
+              <a:srgbClr val="FF0000"/>
+            </a:solidFill>
             <a:tailEnd type="triangle"/>
           </a:ln>
         </p:spPr>
@@ -6253,10 +5891,10 @@
       </p:cxnSp>
       <p:sp>
         <p:nvSpPr>
-          <p:cNvPr id="31" name="TextBox 30">
-            <a:extLst>
-              <a:ext uri="{FF2B5EF4-FFF2-40B4-BE49-F238E27FC236}">
-                <a16:creationId xmlns:a16="http://schemas.microsoft.com/office/drawing/2014/main" id="{8E17BE9C-4B8A-D4F0-038E-45B1B8CB0CD5}"/>
+          <p:cNvPr id="27" name="TextBox 26">
+            <a:extLst>
+              <a:ext uri="{FF2B5EF4-FFF2-40B4-BE49-F238E27FC236}">
+                <a16:creationId xmlns:a16="http://schemas.microsoft.com/office/drawing/2014/main" id="{358618F7-BD8A-31DC-ECFB-4B9B2D56B58E}"/>
               </a:ext>
             </a:extLst>
           </p:cNvPr>
@@ -6265,8 +5903,8 @@
         </p:nvSpPr>
         <p:spPr>
           <a:xfrm>
-            <a:off x="9163960" y="4246697"/>
-            <a:ext cx="2270234" cy="369332"/>
+            <a:off x="6679325" y="3877622"/>
+            <a:ext cx="888122" cy="307777"/>
           </a:xfrm>
           <a:prstGeom prst="rect">
             <a:avLst/>
@@ -6280,8 +5918,250 @@
           <a:lstStyle/>
           <a:p>
             <a:r>
+              <a:rPr lang="en-US" sz="1400" dirty="0"/>
+              <a:t>Index -1</a:t>
+            </a:r>
+          </a:p>
+        </p:txBody>
+      </p:sp>
+      <p:cxnSp>
+        <p:nvCxnSpPr>
+          <p:cNvPr id="28" name="Straight Arrow Connector 27">
+            <a:extLst>
+              <a:ext uri="{FF2B5EF4-FFF2-40B4-BE49-F238E27FC236}">
+                <a16:creationId xmlns:a16="http://schemas.microsoft.com/office/drawing/2014/main" id="{EA1A5E8F-5582-40D0-535F-2A375BE0F9C0}"/>
+              </a:ext>
+            </a:extLst>
+          </p:cNvPr>
+          <p:cNvCxnSpPr>
+            <a:cxnSpLocks/>
+          </p:cNvCxnSpPr>
+          <p:nvPr/>
+        </p:nvCxnSpPr>
+        <p:spPr>
+          <a:xfrm>
+            <a:off x="6600494" y="3762703"/>
+            <a:ext cx="0" cy="835573"/>
+          </a:xfrm>
+          <a:prstGeom prst="straightConnector1">
+            <a:avLst/>
+          </a:prstGeom>
+          <a:ln>
+            <a:solidFill>
+              <a:srgbClr val="FF0000"/>
+            </a:solidFill>
+            <a:tailEnd type="triangle"/>
+          </a:ln>
+        </p:spPr>
+        <p:style>
+          <a:lnRef idx="2">
+            <a:schemeClr val="accent1"/>
+          </a:lnRef>
+          <a:fillRef idx="0">
+            <a:schemeClr val="accent1"/>
+          </a:fillRef>
+          <a:effectRef idx="1">
+            <a:schemeClr val="accent1"/>
+          </a:effectRef>
+          <a:fontRef idx="minor">
+            <a:schemeClr val="tx1"/>
+          </a:fontRef>
+        </p:style>
+      </p:cxnSp>
+      <p:sp>
+        <p:nvSpPr>
+          <p:cNvPr id="30" name="TextBox 29">
+            <a:extLst>
+              <a:ext uri="{FF2B5EF4-FFF2-40B4-BE49-F238E27FC236}">
+                <a16:creationId xmlns:a16="http://schemas.microsoft.com/office/drawing/2014/main" id="{0D51B2DE-1702-1FC4-8CBA-ADEC8DF84CD6}"/>
+              </a:ext>
+            </a:extLst>
+          </p:cNvPr>
+          <p:cNvSpPr txBox="1"/>
+          <p:nvPr/>
+        </p:nvSpPr>
+        <p:spPr>
+          <a:xfrm>
+            <a:off x="6159062" y="3427597"/>
+            <a:ext cx="888122" cy="307777"/>
+          </a:xfrm>
+          <a:prstGeom prst="rect">
+            <a:avLst/>
+          </a:prstGeom>
+          <a:noFill/>
+        </p:spPr>
+        <p:txBody>
+          <a:bodyPr wrap="square" rtlCol="0">
+            <a:spAutoFit/>
+          </a:bodyPr>
+          <a:lstStyle/>
+          <a:p>
+            <a:r>
+              <a:rPr lang="en-US" sz="1400" dirty="0"/>
+              <a:t>Index -2</a:t>
+            </a:r>
+          </a:p>
+        </p:txBody>
+      </p:sp>
+      <p:sp>
+        <p:nvSpPr>
+          <p:cNvPr id="32" name="TextBox 31">
+            <a:extLst>
+              <a:ext uri="{FF2B5EF4-FFF2-40B4-BE49-F238E27FC236}">
+                <a16:creationId xmlns:a16="http://schemas.microsoft.com/office/drawing/2014/main" id="{DCA28145-D668-AC6D-8DBD-27FB35FAD193}"/>
+              </a:ext>
+            </a:extLst>
+          </p:cNvPr>
+          <p:cNvSpPr txBox="1"/>
+          <p:nvPr/>
+        </p:nvSpPr>
+        <p:spPr>
+          <a:xfrm>
+            <a:off x="7367749" y="3571489"/>
+            <a:ext cx="1797272" cy="369332"/>
+          </a:xfrm>
+          <a:prstGeom prst="rect">
+            <a:avLst/>
+          </a:prstGeom>
+          <a:noFill/>
+        </p:spPr>
+        <p:txBody>
+          <a:bodyPr wrap="square" rtlCol="0">
+            <a:spAutoFit/>
+          </a:bodyPr>
+          <a:lstStyle/>
+          <a:p>
+            <a:r>
               <a:rPr lang="en-US" dirty="0"/>
-              <a:t>Print the output</a:t>
+              <a:t>Negative Index</a:t>
+            </a:r>
+          </a:p>
+        </p:txBody>
+      </p:sp>
+      <p:sp>
+        <p:nvSpPr>
+          <p:cNvPr id="35" name="Rectangle 34">
+            <a:extLst>
+              <a:ext uri="{FF2B5EF4-FFF2-40B4-BE49-F238E27FC236}">
+                <a16:creationId xmlns:a16="http://schemas.microsoft.com/office/drawing/2014/main" id="{8F8EB651-D5EC-EEDE-58D9-1E6615ECFF30}"/>
+              </a:ext>
+            </a:extLst>
+          </p:cNvPr>
+          <p:cNvSpPr/>
+          <p:nvPr/>
+        </p:nvSpPr>
+        <p:spPr>
+          <a:xfrm>
+            <a:off x="8313683" y="945932"/>
+            <a:ext cx="2711667" cy="1477328"/>
+          </a:xfrm>
+          <a:prstGeom prst="rect">
+            <a:avLst/>
+          </a:prstGeom>
+          <a:ln>
+            <a:solidFill>
+              <a:schemeClr val="accent1"/>
+            </a:solidFill>
+          </a:ln>
+        </p:spPr>
+        <p:style>
+          <a:lnRef idx="2">
+            <a:schemeClr val="accent6"/>
+          </a:lnRef>
+          <a:fillRef idx="1">
+            <a:schemeClr val="lt1"/>
+          </a:fillRef>
+          <a:effectRef idx="0">
+            <a:schemeClr val="accent6"/>
+          </a:effectRef>
+          <a:fontRef idx="minor">
+            <a:schemeClr val="dk1"/>
+          </a:fontRef>
+        </p:style>
+        <p:txBody>
+          <a:bodyPr rtlCol="0" anchor="ctr"/>
+          <a:lstStyle/>
+          <a:p>
+            <a:pPr algn="ctr"/>
+            <a:endParaRPr lang="en-US" dirty="0"/>
+          </a:p>
+        </p:txBody>
+      </p:sp>
+      <p:sp>
+        <p:nvSpPr>
+          <p:cNvPr id="36" name="TextBox 35">
+            <a:extLst>
+              <a:ext uri="{FF2B5EF4-FFF2-40B4-BE49-F238E27FC236}">
+                <a16:creationId xmlns:a16="http://schemas.microsoft.com/office/drawing/2014/main" id="{9B49CB82-390B-7C64-0923-3CBE952FA005}"/>
+              </a:ext>
+            </a:extLst>
+          </p:cNvPr>
+          <p:cNvSpPr txBox="1"/>
+          <p:nvPr/>
+        </p:nvSpPr>
+        <p:spPr>
+          <a:xfrm>
+            <a:off x="8429296" y="945931"/>
+            <a:ext cx="2480439" cy="1477328"/>
+          </a:xfrm>
+          <a:prstGeom prst="rect">
+            <a:avLst/>
+          </a:prstGeom>
+          <a:noFill/>
+        </p:spPr>
+        <p:txBody>
+          <a:bodyPr wrap="square" rtlCol="0">
+            <a:spAutoFit/>
+          </a:bodyPr>
+          <a:lstStyle/>
+          <a:p>
+            <a:pPr marL="285750" indent="-285750">
+              <a:buFont typeface="Arial" panose="020B0604020202020204" pitchFamily="34" charset="0"/>
+              <a:buChar char="•"/>
+            </a:pPr>
+            <a:r>
+              <a:rPr lang="en-US" i="1" dirty="0"/>
+              <a:t>L[0] = [1] </a:t>
+            </a:r>
+          </a:p>
+          <a:p>
+            <a:pPr marL="285750" indent="-285750">
+              <a:buFont typeface="Arial" panose="020B0604020202020204" pitchFamily="34" charset="0"/>
+              <a:buChar char="•"/>
+            </a:pPr>
+            <a:r>
+              <a:rPr lang="en-US" i="1" dirty="0"/>
+              <a:t>L[2:] = [3,4,5,6,7,8,9]</a:t>
+            </a:r>
+          </a:p>
+          <a:p>
+            <a:pPr marL="285750" indent="-285750">
+              <a:buFont typeface="Arial" panose="020B0604020202020204" pitchFamily="34" charset="0"/>
+              <a:buChar char="•"/>
+            </a:pPr>
+            <a:r>
+              <a:rPr lang="en-US" i="1" dirty="0"/>
+              <a:t>L[:4] = [1,2,3,4] </a:t>
+            </a:r>
+          </a:p>
+          <a:p>
+            <a:pPr marL="285750" indent="-285750">
+              <a:buFont typeface="Arial" panose="020B0604020202020204" pitchFamily="34" charset="0"/>
+              <a:buChar char="•"/>
+            </a:pPr>
+            <a:r>
+              <a:rPr lang="en-US" i="1" dirty="0"/>
+              <a:t>L[-2:] = [8,9]</a:t>
+            </a:r>
+          </a:p>
+          <a:p>
+            <a:pPr marL="285750" indent="-285750">
+              <a:buFont typeface="Arial" panose="020B0604020202020204" pitchFamily="34" charset="0"/>
+              <a:buChar char="•"/>
+            </a:pPr>
+            <a:r>
+              <a:rPr lang="en-US" i="1" dirty="0"/>
+              <a:t>L[:-6] = [1,2,3]</a:t>
             </a:r>
           </a:p>
         </p:txBody>
@@ -6289,7 +6169,7 @@
     </p:spTree>
     <p:extLst>
       <p:ext uri="{BB962C8B-B14F-4D97-AF65-F5344CB8AC3E}">
-        <p14:creationId xmlns:p14="http://schemas.microsoft.com/office/powerpoint/2010/main" val="4217666417"/>
+        <p14:creationId xmlns:p14="http://schemas.microsoft.com/office/powerpoint/2010/main" val="2868262617"/>
       </p:ext>
     </p:extLst>
   </p:cSld>
@@ -6321,7 +6201,7 @@
           <p:cNvPr id="4" name="Title 1">
             <a:extLst>
               <a:ext uri="{FF2B5EF4-FFF2-40B4-BE49-F238E27FC236}">
-                <a16:creationId xmlns:a16="http://schemas.microsoft.com/office/drawing/2014/main" id="{4D1C2C13-4FC1-A717-A9A1-3581FF8EA276}"/>
+                <a16:creationId xmlns:a16="http://schemas.microsoft.com/office/drawing/2014/main" id="{D89E4DA5-38CC-9B9A-3F09-B98CBCB3B6B9}"/>
               </a:ext>
             </a:extLst>
           </p:cNvPr>
@@ -6365,6 +6245,710 @@
           <a:p>
             <a:r>
               <a:rPr lang="en-US" sz="3200" dirty="0"/>
+              <a:t>Functions</a:t>
+            </a:r>
+          </a:p>
+        </p:txBody>
+      </p:sp>
+      <p:sp>
+        <p:nvSpPr>
+          <p:cNvPr id="6" name="TextBox 5">
+            <a:extLst>
+              <a:ext uri="{FF2B5EF4-FFF2-40B4-BE49-F238E27FC236}">
+                <a16:creationId xmlns:a16="http://schemas.microsoft.com/office/drawing/2014/main" id="{EC0A9C36-996D-47F4-4C8B-41D1ABCDD711}"/>
+              </a:ext>
+            </a:extLst>
+          </p:cNvPr>
+          <p:cNvSpPr txBox="1"/>
+          <p:nvPr/>
+        </p:nvSpPr>
+        <p:spPr>
+          <a:xfrm>
+            <a:off x="557048" y="974862"/>
+            <a:ext cx="9858703" cy="369332"/>
+          </a:xfrm>
+          <a:prstGeom prst="rect">
+            <a:avLst/>
+          </a:prstGeom>
+          <a:noFill/>
+        </p:spPr>
+        <p:txBody>
+          <a:bodyPr wrap="square">
+            <a:spAutoFit/>
+          </a:bodyPr>
+          <a:lstStyle/>
+          <a:p>
+            <a:pPr marL="285750" indent="-285750">
+              <a:buFont typeface="Arial" panose="020B0604020202020204" pitchFamily="34" charset="0"/>
+              <a:buChar char="•"/>
+            </a:pPr>
+            <a:r>
+              <a:rPr lang="en-CA" dirty="0"/>
+              <a:t>A function in Python works the same as a function in math: you define an input and an output.</a:t>
+            </a:r>
+            <a:endParaRPr lang="en-US" dirty="0"/>
+          </a:p>
+        </p:txBody>
+      </p:sp>
+      <p:pic>
+        <p:nvPicPr>
+          <p:cNvPr id="7" name="Picture 6">
+            <a:extLst>
+              <a:ext uri="{FF2B5EF4-FFF2-40B4-BE49-F238E27FC236}">
+                <a16:creationId xmlns:a16="http://schemas.microsoft.com/office/drawing/2014/main" id="{2F4E68A0-EFD7-F114-17A6-944731B12188}"/>
+              </a:ext>
+            </a:extLst>
+          </p:cNvPr>
+          <p:cNvPicPr>
+            <a:picLocks noChangeAspect="1"/>
+          </p:cNvPicPr>
+          <p:nvPr/>
+        </p:nvPicPr>
+        <p:blipFill>
+          <a:blip r:embed="rId2"/>
+          <a:stretch>
+            <a:fillRect/>
+          </a:stretch>
+        </p:blipFill>
+        <p:spPr>
+          <a:xfrm>
+            <a:off x="4542878" y="1446699"/>
+            <a:ext cx="2720454" cy="749963"/>
+          </a:xfrm>
+          <a:prstGeom prst="rect">
+            <a:avLst/>
+          </a:prstGeom>
+        </p:spPr>
+      </p:pic>
+      <p:sp>
+        <p:nvSpPr>
+          <p:cNvPr id="9" name="TextBox 8">
+            <a:extLst>
+              <a:ext uri="{FF2B5EF4-FFF2-40B4-BE49-F238E27FC236}">
+                <a16:creationId xmlns:a16="http://schemas.microsoft.com/office/drawing/2014/main" id="{A77F3F1A-A98E-F195-C505-B2931CD6FF2F}"/>
+              </a:ext>
+            </a:extLst>
+          </p:cNvPr>
+          <p:cNvSpPr txBox="1"/>
+          <p:nvPr/>
+        </p:nvSpPr>
+        <p:spPr>
+          <a:xfrm>
+            <a:off x="1167332" y="2448175"/>
+            <a:ext cx="7240944" cy="646331"/>
+          </a:xfrm>
+          <a:prstGeom prst="rect">
+            <a:avLst/>
+          </a:prstGeom>
+          <a:noFill/>
+        </p:spPr>
+        <p:txBody>
+          <a:bodyPr wrap="square">
+            <a:spAutoFit/>
+          </a:bodyPr>
+          <a:lstStyle/>
+          <a:p>
+            <a:pPr marL="285750" indent="-285750">
+              <a:buFont typeface="Arial" panose="020B0604020202020204" pitchFamily="34" charset="0"/>
+              <a:buChar char="•"/>
+            </a:pPr>
+            <a:r>
+              <a:rPr lang="en-CA" dirty="0"/>
+              <a:t>Functions in Python are defined by the def keyword. </a:t>
+            </a:r>
+          </a:p>
+          <a:p>
+            <a:pPr marL="285750" indent="-285750">
+              <a:buFont typeface="Arial" panose="020B0604020202020204" pitchFamily="34" charset="0"/>
+              <a:buChar char="•"/>
+            </a:pPr>
+            <a:r>
+              <a:rPr lang="en-CA" dirty="0"/>
+              <a:t>And you put the list of outputs inside a parenthesis followed by  : </a:t>
+            </a:r>
+            <a:endParaRPr lang="en-US" dirty="0"/>
+          </a:p>
+        </p:txBody>
+      </p:sp>
+      <p:cxnSp>
+        <p:nvCxnSpPr>
+          <p:cNvPr id="13" name="Straight Arrow Connector 12">
+            <a:extLst>
+              <a:ext uri="{FF2B5EF4-FFF2-40B4-BE49-F238E27FC236}">
+                <a16:creationId xmlns:a16="http://schemas.microsoft.com/office/drawing/2014/main" id="{79E0B717-D0BE-6256-0632-CAC6D044A4BE}"/>
+              </a:ext>
+            </a:extLst>
+          </p:cNvPr>
+          <p:cNvCxnSpPr/>
+          <p:nvPr/>
+        </p:nvCxnSpPr>
+        <p:spPr>
+          <a:xfrm flipH="1">
+            <a:off x="3878317" y="1912883"/>
+            <a:ext cx="1156138" cy="0"/>
+          </a:xfrm>
+          <a:prstGeom prst="straightConnector1">
+            <a:avLst/>
+          </a:prstGeom>
+          <a:ln>
+            <a:tailEnd type="triangle"/>
+          </a:ln>
+        </p:spPr>
+        <p:style>
+          <a:lnRef idx="2">
+            <a:schemeClr val="accent1"/>
+          </a:lnRef>
+          <a:fillRef idx="0">
+            <a:schemeClr val="accent1"/>
+          </a:fillRef>
+          <a:effectRef idx="1">
+            <a:schemeClr val="accent1"/>
+          </a:effectRef>
+          <a:fontRef idx="minor">
+            <a:schemeClr val="tx1"/>
+          </a:fontRef>
+        </p:style>
+      </p:cxnSp>
+      <p:sp>
+        <p:nvSpPr>
+          <p:cNvPr id="14" name="TextBox 13">
+            <a:extLst>
+              <a:ext uri="{FF2B5EF4-FFF2-40B4-BE49-F238E27FC236}">
+                <a16:creationId xmlns:a16="http://schemas.microsoft.com/office/drawing/2014/main" id="{E92057B5-99C3-0875-F6B4-14F9BC7F64E9}"/>
+              </a:ext>
+            </a:extLst>
+          </p:cNvPr>
+          <p:cNvSpPr txBox="1"/>
+          <p:nvPr/>
+        </p:nvSpPr>
+        <p:spPr>
+          <a:xfrm>
+            <a:off x="2970376" y="1728217"/>
+            <a:ext cx="1429407" cy="369332"/>
+          </a:xfrm>
+          <a:prstGeom prst="rect">
+            <a:avLst/>
+          </a:prstGeom>
+          <a:noFill/>
+        </p:spPr>
+        <p:txBody>
+          <a:bodyPr wrap="square" rtlCol="0">
+            <a:spAutoFit/>
+          </a:bodyPr>
+          <a:lstStyle/>
+          <a:p>
+            <a:r>
+              <a:rPr lang="en-US" dirty="0"/>
+              <a:t>Output</a:t>
+            </a:r>
+          </a:p>
+        </p:txBody>
+      </p:sp>
+      <p:sp>
+        <p:nvSpPr>
+          <p:cNvPr id="15" name="Arc 14">
+            <a:extLst>
+              <a:ext uri="{FF2B5EF4-FFF2-40B4-BE49-F238E27FC236}">
+                <a16:creationId xmlns:a16="http://schemas.microsoft.com/office/drawing/2014/main" id="{A2D23AD0-81DC-F0E7-F2DC-4B0C8E64AECF}"/>
+              </a:ext>
+            </a:extLst>
+          </p:cNvPr>
+          <p:cNvSpPr/>
+          <p:nvPr/>
+        </p:nvSpPr>
+        <p:spPr>
+          <a:xfrm>
+            <a:off x="3878318" y="1629103"/>
+            <a:ext cx="3913902" cy="2291238"/>
+          </a:xfrm>
+          <a:prstGeom prst="arc">
+            <a:avLst/>
+          </a:prstGeom>
+          <a:ln w="57150" cap="flat" cmpd="sng" algn="ctr">
+            <a:solidFill>
+              <a:schemeClr val="accent2"/>
+            </a:solidFill>
+            <a:prstDash val="solid"/>
+            <a:round/>
+            <a:headEnd type="none" w="med" len="med"/>
+            <a:tailEnd type="arrow" w="med" len="med"/>
+          </a:ln>
+        </p:spPr>
+        <p:style>
+          <a:lnRef idx="0">
+            <a:scrgbClr r="0" g="0" b="0"/>
+          </a:lnRef>
+          <a:fillRef idx="0">
+            <a:scrgbClr r="0" g="0" b="0"/>
+          </a:fillRef>
+          <a:effectRef idx="0">
+            <a:scrgbClr r="0" g="0" b="0"/>
+          </a:effectRef>
+          <a:fontRef idx="minor">
+            <a:schemeClr val="tx1"/>
+          </a:fontRef>
+        </p:style>
+        <p:txBody>
+          <a:bodyPr rtlCol="0" anchor="ctr"/>
+          <a:lstStyle/>
+          <a:p>
+            <a:pPr algn="ctr"/>
+            <a:endParaRPr lang="en-US"/>
+          </a:p>
+        </p:txBody>
+      </p:sp>
+      <p:sp>
+        <p:nvSpPr>
+          <p:cNvPr id="17" name="TextBox 16">
+            <a:extLst>
+              <a:ext uri="{FF2B5EF4-FFF2-40B4-BE49-F238E27FC236}">
+                <a16:creationId xmlns:a16="http://schemas.microsoft.com/office/drawing/2014/main" id="{84382D37-D625-98FA-CD12-8AB2E73DDD7E}"/>
+              </a:ext>
+            </a:extLst>
+          </p:cNvPr>
+          <p:cNvSpPr txBox="1"/>
+          <p:nvPr/>
+        </p:nvSpPr>
+        <p:spPr>
+          <a:xfrm>
+            <a:off x="605547" y="3597193"/>
+            <a:ext cx="9810203" cy="369332"/>
+          </a:xfrm>
+          <a:prstGeom prst="rect">
+            <a:avLst/>
+          </a:prstGeom>
+          <a:noFill/>
+        </p:spPr>
+        <p:txBody>
+          <a:bodyPr wrap="square">
+            <a:spAutoFit/>
+          </a:bodyPr>
+          <a:lstStyle/>
+          <a:p>
+            <a:pPr marL="285750" indent="-285750">
+              <a:buFont typeface="Arial" panose="020B0604020202020204" pitchFamily="34" charset="0"/>
+              <a:buChar char="•"/>
+            </a:pPr>
+            <a:r>
+              <a:rPr lang="en-CA" dirty="0"/>
+              <a:t>This defines the function                                        and to evaluate the function in each input you do,</a:t>
+            </a:r>
+            <a:endParaRPr lang="en-US" dirty="0"/>
+          </a:p>
+        </p:txBody>
+      </p:sp>
+      <p:pic>
+        <p:nvPicPr>
+          <p:cNvPr id="18" name="Picture 17">
+            <a:extLst>
+              <a:ext uri="{FF2B5EF4-FFF2-40B4-BE49-F238E27FC236}">
+                <a16:creationId xmlns:a16="http://schemas.microsoft.com/office/drawing/2014/main" id="{7042D147-B343-D106-A735-19C510CFF72E}"/>
+              </a:ext>
+            </a:extLst>
+          </p:cNvPr>
+          <p:cNvPicPr>
+            <a:picLocks noChangeAspect="1"/>
+          </p:cNvPicPr>
+          <p:nvPr/>
+        </p:nvPicPr>
+        <p:blipFill>
+          <a:blip r:embed="rId3"/>
+          <a:stretch>
+            <a:fillRect/>
+          </a:stretch>
+        </p:blipFill>
+        <p:spPr>
+          <a:xfrm>
+            <a:off x="3447392" y="3597193"/>
+            <a:ext cx="1681655" cy="323165"/>
+          </a:xfrm>
+          <a:prstGeom prst="rect">
+            <a:avLst/>
+          </a:prstGeom>
+        </p:spPr>
+      </p:pic>
+      <p:pic>
+        <p:nvPicPr>
+          <p:cNvPr id="20" name="Picture 19">
+            <a:extLst>
+              <a:ext uri="{FF2B5EF4-FFF2-40B4-BE49-F238E27FC236}">
+                <a16:creationId xmlns:a16="http://schemas.microsoft.com/office/drawing/2014/main" id="{6C314F07-B475-D31F-FB94-819107944637}"/>
+              </a:ext>
+            </a:extLst>
+          </p:cNvPr>
+          <p:cNvPicPr>
+            <a:picLocks noChangeAspect="1"/>
+          </p:cNvPicPr>
+          <p:nvPr/>
+        </p:nvPicPr>
+        <p:blipFill>
+          <a:blip r:embed="rId4"/>
+          <a:stretch>
+            <a:fillRect/>
+          </a:stretch>
+        </p:blipFill>
+        <p:spPr>
+          <a:xfrm>
+            <a:off x="2342337" y="4663746"/>
+            <a:ext cx="1256077" cy="1011840"/>
+          </a:xfrm>
+          <a:prstGeom prst="rect">
+            <a:avLst/>
+          </a:prstGeom>
+        </p:spPr>
+      </p:pic>
+      <p:cxnSp>
+        <p:nvCxnSpPr>
+          <p:cNvPr id="22" name="Straight Arrow Connector 21">
+            <a:extLst>
+              <a:ext uri="{FF2B5EF4-FFF2-40B4-BE49-F238E27FC236}">
+                <a16:creationId xmlns:a16="http://schemas.microsoft.com/office/drawing/2014/main" id="{81372E17-2B3C-64F7-464B-853F9869E57F}"/>
+              </a:ext>
+            </a:extLst>
+          </p:cNvPr>
+          <p:cNvCxnSpPr>
+            <a:cxnSpLocks/>
+          </p:cNvCxnSpPr>
+          <p:nvPr/>
+        </p:nvCxnSpPr>
+        <p:spPr>
+          <a:xfrm flipH="1">
+            <a:off x="1618593" y="5169666"/>
+            <a:ext cx="851338" cy="0"/>
+          </a:xfrm>
+          <a:prstGeom prst="straightConnector1">
+            <a:avLst/>
+          </a:prstGeom>
+          <a:ln w="38100">
+            <a:solidFill>
+              <a:schemeClr val="accent3"/>
+            </a:solidFill>
+            <a:tailEnd type="triangle"/>
+          </a:ln>
+        </p:spPr>
+        <p:style>
+          <a:lnRef idx="2">
+            <a:schemeClr val="accent1"/>
+          </a:lnRef>
+          <a:fillRef idx="0">
+            <a:schemeClr val="accent1"/>
+          </a:fillRef>
+          <a:effectRef idx="1">
+            <a:schemeClr val="accent1"/>
+          </a:effectRef>
+          <a:fontRef idx="minor">
+            <a:schemeClr val="tx1"/>
+          </a:fontRef>
+        </p:style>
+      </p:cxnSp>
+      <p:sp>
+        <p:nvSpPr>
+          <p:cNvPr id="24" name="TextBox 23">
+            <a:extLst>
+              <a:ext uri="{FF2B5EF4-FFF2-40B4-BE49-F238E27FC236}">
+                <a16:creationId xmlns:a16="http://schemas.microsoft.com/office/drawing/2014/main" id="{6298A32A-DFB1-5AF2-7E17-7EEA0458C37E}"/>
+              </a:ext>
+            </a:extLst>
+          </p:cNvPr>
+          <p:cNvSpPr txBox="1"/>
+          <p:nvPr/>
+        </p:nvSpPr>
+        <p:spPr>
+          <a:xfrm>
+            <a:off x="651550" y="4569501"/>
+            <a:ext cx="1124607" cy="1200329"/>
+          </a:xfrm>
+          <a:prstGeom prst="rect">
+            <a:avLst/>
+          </a:prstGeom>
+          <a:noFill/>
+        </p:spPr>
+        <p:txBody>
+          <a:bodyPr wrap="square" rtlCol="0">
+            <a:spAutoFit/>
+          </a:bodyPr>
+          <a:lstStyle/>
+          <a:p>
+            <a:r>
+              <a:rPr lang="en-US" dirty="0"/>
+              <a:t>Call the function by its name</a:t>
+            </a:r>
+          </a:p>
+        </p:txBody>
+      </p:sp>
+      <p:sp>
+        <p:nvSpPr>
+          <p:cNvPr id="25" name="Bent-Up Arrow 24">
+            <a:extLst>
+              <a:ext uri="{FF2B5EF4-FFF2-40B4-BE49-F238E27FC236}">
+                <a16:creationId xmlns:a16="http://schemas.microsoft.com/office/drawing/2014/main" id="{792C2ADD-D5A8-CBE7-0E1D-8DF2522611D0}"/>
+              </a:ext>
+            </a:extLst>
+          </p:cNvPr>
+          <p:cNvSpPr/>
+          <p:nvPr/>
+        </p:nvSpPr>
+        <p:spPr>
+          <a:xfrm rot="5400000">
+            <a:off x="3174124" y="5411229"/>
+            <a:ext cx="546535" cy="717201"/>
+          </a:xfrm>
+          <a:prstGeom prst="bentUpArrow">
+            <a:avLst>
+              <a:gd name="adj1" fmla="val 25000"/>
+              <a:gd name="adj2" fmla="val 24038"/>
+              <a:gd name="adj3" fmla="val 25000"/>
+            </a:avLst>
+          </a:prstGeom>
+          <a:solidFill>
+            <a:srgbClr val="FFC000"/>
+          </a:solidFill>
+        </p:spPr>
+        <p:style>
+          <a:lnRef idx="2">
+            <a:schemeClr val="accent1">
+              <a:shade val="15000"/>
+            </a:schemeClr>
+          </a:lnRef>
+          <a:fillRef idx="1">
+            <a:schemeClr val="accent1"/>
+          </a:fillRef>
+          <a:effectRef idx="0">
+            <a:schemeClr val="accent1"/>
+          </a:effectRef>
+          <a:fontRef idx="minor">
+            <a:schemeClr val="lt1"/>
+          </a:fontRef>
+        </p:style>
+        <p:txBody>
+          <a:bodyPr rtlCol="0" anchor="ctr"/>
+          <a:lstStyle/>
+          <a:p>
+            <a:pPr algn="ctr"/>
+            <a:endParaRPr lang="en-US"/>
+          </a:p>
+        </p:txBody>
+      </p:sp>
+      <p:sp>
+        <p:nvSpPr>
+          <p:cNvPr id="26" name="TextBox 25">
+            <a:extLst>
+              <a:ext uri="{FF2B5EF4-FFF2-40B4-BE49-F238E27FC236}">
+                <a16:creationId xmlns:a16="http://schemas.microsoft.com/office/drawing/2014/main" id="{E634EB64-B3AD-7721-7FD2-A89AAF1D7B06}"/>
+              </a:ext>
+            </a:extLst>
+          </p:cNvPr>
+          <p:cNvSpPr txBox="1"/>
+          <p:nvPr/>
+        </p:nvSpPr>
+        <p:spPr>
+          <a:xfrm>
+            <a:off x="3878317" y="5517582"/>
+            <a:ext cx="3689132" cy="923330"/>
+          </a:xfrm>
+          <a:prstGeom prst="rect">
+            <a:avLst/>
+          </a:prstGeom>
+          <a:noFill/>
+        </p:spPr>
+        <p:txBody>
+          <a:bodyPr wrap="square" rtlCol="0">
+            <a:spAutoFit/>
+          </a:bodyPr>
+          <a:lstStyle/>
+          <a:p>
+            <a:r>
+              <a:rPr lang="en-US" dirty="0"/>
+              <a:t>Put the input inside the parenthesis. This is the value that you want to evaluate. </a:t>
+            </a:r>
+          </a:p>
+        </p:txBody>
+      </p:sp>
+      <p:pic>
+        <p:nvPicPr>
+          <p:cNvPr id="27" name="Picture 26">
+            <a:extLst>
+              <a:ext uri="{FF2B5EF4-FFF2-40B4-BE49-F238E27FC236}">
+                <a16:creationId xmlns:a16="http://schemas.microsoft.com/office/drawing/2014/main" id="{F216A0F1-4320-DABE-54C5-DDB4FFB95BE8}"/>
+              </a:ext>
+            </a:extLst>
+          </p:cNvPr>
+          <p:cNvPicPr>
+            <a:picLocks noChangeAspect="1"/>
+          </p:cNvPicPr>
+          <p:nvPr/>
+        </p:nvPicPr>
+        <p:blipFill>
+          <a:blip r:embed="rId5"/>
+          <a:stretch>
+            <a:fillRect/>
+          </a:stretch>
+        </p:blipFill>
+        <p:spPr>
+          <a:xfrm>
+            <a:off x="7222730" y="4750871"/>
+            <a:ext cx="2371091" cy="654094"/>
+          </a:xfrm>
+          <a:prstGeom prst="rect">
+            <a:avLst/>
+          </a:prstGeom>
+        </p:spPr>
+      </p:pic>
+      <p:cxnSp>
+        <p:nvCxnSpPr>
+          <p:cNvPr id="29" name="Straight Arrow Connector 28">
+            <a:extLst>
+              <a:ext uri="{FF2B5EF4-FFF2-40B4-BE49-F238E27FC236}">
+                <a16:creationId xmlns:a16="http://schemas.microsoft.com/office/drawing/2014/main" id="{5A93CCFC-E0B9-74FE-CD96-A25436CA2F6B}"/>
+              </a:ext>
+            </a:extLst>
+          </p:cNvPr>
+          <p:cNvCxnSpPr>
+            <a:cxnSpLocks/>
+          </p:cNvCxnSpPr>
+          <p:nvPr/>
+        </p:nvCxnSpPr>
+        <p:spPr>
+          <a:xfrm flipV="1">
+            <a:off x="7978413" y="4431363"/>
+            <a:ext cx="1218139" cy="402882"/>
+          </a:xfrm>
+          <a:prstGeom prst="straightConnector1">
+            <a:avLst/>
+          </a:prstGeom>
+          <a:ln w="38100">
+            <a:tailEnd type="triangle"/>
+          </a:ln>
+        </p:spPr>
+        <p:style>
+          <a:lnRef idx="2">
+            <a:schemeClr val="accent1"/>
+          </a:lnRef>
+          <a:fillRef idx="0">
+            <a:schemeClr val="accent1"/>
+          </a:fillRef>
+          <a:effectRef idx="1">
+            <a:schemeClr val="accent1"/>
+          </a:effectRef>
+          <a:fontRef idx="minor">
+            <a:schemeClr val="tx1"/>
+          </a:fontRef>
+        </p:style>
+      </p:cxnSp>
+      <p:sp>
+        <p:nvSpPr>
+          <p:cNvPr id="31" name="TextBox 30">
+            <a:extLst>
+              <a:ext uri="{FF2B5EF4-FFF2-40B4-BE49-F238E27FC236}">
+                <a16:creationId xmlns:a16="http://schemas.microsoft.com/office/drawing/2014/main" id="{8E17BE9C-4B8A-D4F0-038E-45B1B8CB0CD5}"/>
+              </a:ext>
+            </a:extLst>
+          </p:cNvPr>
+          <p:cNvSpPr txBox="1"/>
+          <p:nvPr/>
+        </p:nvSpPr>
+        <p:spPr>
+          <a:xfrm>
+            <a:off x="9163960" y="4246697"/>
+            <a:ext cx="2270234" cy="369332"/>
+          </a:xfrm>
+          <a:prstGeom prst="rect">
+            <a:avLst/>
+          </a:prstGeom>
+          <a:noFill/>
+        </p:spPr>
+        <p:txBody>
+          <a:bodyPr wrap="square" rtlCol="0">
+            <a:spAutoFit/>
+          </a:bodyPr>
+          <a:lstStyle/>
+          <a:p>
+            <a:r>
+              <a:rPr lang="en-US" dirty="0"/>
+              <a:t>Print the output</a:t>
+            </a:r>
+          </a:p>
+        </p:txBody>
+      </p:sp>
+    </p:spTree>
+    <p:extLst>
+      <p:ext uri="{BB962C8B-B14F-4D97-AF65-F5344CB8AC3E}">
+        <p14:creationId xmlns:p14="http://schemas.microsoft.com/office/powerpoint/2010/main" val="4217666417"/>
+      </p:ext>
+    </p:extLst>
+  </p:cSld>
+  <p:clrMapOvr>
+    <a:masterClrMapping/>
+  </p:clrMapOvr>
+</p:sld>
+</file>
+
+<file path=ppt/slides/slide8.xml><?xml version="1.0" encoding="utf-8"?>
+<p:sld xmlns:a="http://schemas.openxmlformats.org/drawingml/2006/main" xmlns:r="http://schemas.openxmlformats.org/officeDocument/2006/relationships" xmlns:p="http://schemas.openxmlformats.org/presentationml/2006/main">
+  <p:cSld>
+    <p:spTree>
+      <p:nvGrpSpPr>
+        <p:cNvPr id="1" name=""/>
+        <p:cNvGrpSpPr/>
+        <p:nvPr/>
+      </p:nvGrpSpPr>
+      <p:grpSpPr>
+        <a:xfrm>
+          <a:off x="0" y="0"/>
+          <a:ext cx="0" cy="0"/>
+          <a:chOff x="0" y="0"/>
+          <a:chExt cx="0" cy="0"/>
+        </a:xfrm>
+      </p:grpSpPr>
+      <p:sp>
+        <p:nvSpPr>
+          <p:cNvPr id="4" name="Title 1">
+            <a:extLst>
+              <a:ext uri="{FF2B5EF4-FFF2-40B4-BE49-F238E27FC236}">
+                <a16:creationId xmlns:a16="http://schemas.microsoft.com/office/drawing/2014/main" id="{4D1C2C13-4FC1-A717-A9A1-3581FF8EA276}"/>
+              </a:ext>
+            </a:extLst>
+          </p:cNvPr>
+          <p:cNvSpPr txBox="1">
+            <a:spLocks/>
+          </p:cNvSpPr>
+          <p:nvPr/>
+        </p:nvSpPr>
+        <p:spPr>
+          <a:xfrm>
+            <a:off x="557049" y="250003"/>
+            <a:ext cx="7010400" cy="622354"/>
+          </a:xfrm>
+          <a:prstGeom prst="rect">
+            <a:avLst/>
+          </a:prstGeom>
+        </p:spPr>
+        <p:txBody>
+          <a:bodyPr vert="horz" lIns="91440" tIns="45720" rIns="91440" bIns="45720" rtlCol="0" anchor="ctr">
+            <a:normAutofit/>
+          </a:bodyPr>
+          <a:lstStyle>
+            <a:lvl1pPr algn="l" defTabSz="914400" rtl="0" eaLnBrk="1" latinLnBrk="0" hangingPunct="1">
+              <a:lnSpc>
+                <a:spcPct val="90000"/>
+              </a:lnSpc>
+              <a:spcBef>
+                <a:spcPct val="0"/>
+              </a:spcBef>
+              <a:buNone/>
+              <a:defRPr sz="4400" kern="1200">
+                <a:solidFill>
+                  <a:schemeClr val="tx1"/>
+                </a:solidFill>
+                <a:latin typeface="+mj-lt"/>
+                <a:ea typeface="+mj-ea"/>
+                <a:cs typeface="+mj-cs"/>
+              </a:defRPr>
+            </a:lvl1pPr>
+          </a:lstStyle>
+          <a:p>
+            <a:r>
+              <a:rPr lang="en-US" sz="3200" dirty="0"/>
               <a:t>Conditional Statements</a:t>
             </a:r>
           </a:p>
@@ -6622,7 +7206,7 @@
 </p:sld>
 </file>
 
-<file path=ppt/slides/slide8.xml><?xml version="1.0" encoding="utf-8"?>
+<file path=ppt/slides/slide9.xml><?xml version="1.0" encoding="utf-8"?>
 <p:sld xmlns:a="http://schemas.openxmlformats.org/drawingml/2006/main" xmlns:r="http://schemas.openxmlformats.org/officeDocument/2006/relationships" xmlns:p="http://schemas.openxmlformats.org/presentationml/2006/main">
   <p:cSld>
     <p:spTree>
